--- a/02.안드로이드 모바일 앱 개발-프론트엔드-안국환.pptx
+++ b/02.안드로이드 모바일 앱 개발-프론트엔드-안국환.pptx
@@ -19,31 +19,32 @@
     <p:sldId id="332" r:id="rId13"/>
     <p:sldId id="333" r:id="rId14"/>
     <p:sldId id="334" r:id="rId15"/>
-    <p:sldId id="336" r:id="rId16"/>
-    <p:sldId id="337" r:id="rId17"/>
-    <p:sldId id="335" r:id="rId18"/>
-    <p:sldId id="341" r:id="rId19"/>
-    <p:sldId id="342" r:id="rId20"/>
-    <p:sldId id="338" r:id="rId21"/>
-    <p:sldId id="339" r:id="rId22"/>
-    <p:sldId id="340" r:id="rId23"/>
-    <p:sldId id="343" r:id="rId24"/>
-    <p:sldId id="344" r:id="rId25"/>
-    <p:sldId id="345" r:id="rId26"/>
-    <p:sldId id="346" r:id="rId27"/>
-    <p:sldId id="347" r:id="rId28"/>
-    <p:sldId id="348" r:id="rId29"/>
-    <p:sldId id="349" r:id="rId30"/>
-    <p:sldId id="350" r:id="rId31"/>
-    <p:sldId id="351" r:id="rId32"/>
-    <p:sldId id="356" r:id="rId33"/>
-    <p:sldId id="357" r:id="rId34"/>
-    <p:sldId id="358" r:id="rId35"/>
-    <p:sldId id="352" r:id="rId36"/>
-    <p:sldId id="353" r:id="rId37"/>
-    <p:sldId id="354" r:id="rId38"/>
-    <p:sldId id="355" r:id="rId39"/>
-    <p:sldId id="322" r:id="rId40"/>
+    <p:sldId id="359" r:id="rId16"/>
+    <p:sldId id="336" r:id="rId17"/>
+    <p:sldId id="337" r:id="rId18"/>
+    <p:sldId id="335" r:id="rId19"/>
+    <p:sldId id="341" r:id="rId20"/>
+    <p:sldId id="342" r:id="rId21"/>
+    <p:sldId id="338" r:id="rId22"/>
+    <p:sldId id="339" r:id="rId23"/>
+    <p:sldId id="340" r:id="rId24"/>
+    <p:sldId id="343" r:id="rId25"/>
+    <p:sldId id="344" r:id="rId26"/>
+    <p:sldId id="345" r:id="rId27"/>
+    <p:sldId id="346" r:id="rId28"/>
+    <p:sldId id="347" r:id="rId29"/>
+    <p:sldId id="348" r:id="rId30"/>
+    <p:sldId id="349" r:id="rId31"/>
+    <p:sldId id="350" r:id="rId32"/>
+    <p:sldId id="351" r:id="rId33"/>
+    <p:sldId id="356" r:id="rId34"/>
+    <p:sldId id="357" r:id="rId35"/>
+    <p:sldId id="358" r:id="rId36"/>
+    <p:sldId id="352" r:id="rId37"/>
+    <p:sldId id="353" r:id="rId38"/>
+    <p:sldId id="354" r:id="rId39"/>
+    <p:sldId id="355" r:id="rId40"/>
+    <p:sldId id="322" r:id="rId41"/>
   </p:sldIdLst>
   <p:sldSz cx="9144000" cy="6858000" type="screen4x3"/>
   <p:notesSz cx="6858000" cy="9144000"/>
@@ -326,7 +327,7 @@
           <a:p>
             <a:fld id="{1439AEB7-C6E7-4EF3-9224-DD5988BEB126}" type="datetimeFigureOut">
               <a:rPr lang="ko-KR" altLang="en-US" smtClean="0"/>
-              <a:t>2019-10-09</a:t>
+              <a:t>2019-10-10</a:t>
             </a:fld>
             <a:endParaRPr lang="ko-KR" altLang="en-US"/>
           </a:p>
@@ -496,7 +497,7 @@
           <a:p>
             <a:fld id="{1439AEB7-C6E7-4EF3-9224-DD5988BEB126}" type="datetimeFigureOut">
               <a:rPr lang="ko-KR" altLang="en-US" smtClean="0"/>
-              <a:t>2019-10-09</a:t>
+              <a:t>2019-10-10</a:t>
             </a:fld>
             <a:endParaRPr lang="ko-KR" altLang="en-US"/>
           </a:p>
@@ -676,7 +677,7 @@
           <a:p>
             <a:fld id="{1439AEB7-C6E7-4EF3-9224-DD5988BEB126}" type="datetimeFigureOut">
               <a:rPr lang="ko-KR" altLang="en-US" smtClean="0"/>
-              <a:t>2019-10-09</a:t>
+              <a:t>2019-10-10</a:t>
             </a:fld>
             <a:endParaRPr lang="ko-KR" altLang="en-US"/>
           </a:p>
@@ -846,7 +847,7 @@
           <a:p>
             <a:fld id="{1439AEB7-C6E7-4EF3-9224-DD5988BEB126}" type="datetimeFigureOut">
               <a:rPr lang="ko-KR" altLang="en-US" smtClean="0"/>
-              <a:t>2019-10-09</a:t>
+              <a:t>2019-10-10</a:t>
             </a:fld>
             <a:endParaRPr lang="ko-KR" altLang="en-US"/>
           </a:p>
@@ -1092,7 +1093,7 @@
           <a:p>
             <a:fld id="{1439AEB7-C6E7-4EF3-9224-DD5988BEB126}" type="datetimeFigureOut">
               <a:rPr lang="ko-KR" altLang="en-US" smtClean="0"/>
-              <a:t>2019-10-09</a:t>
+              <a:t>2019-10-10</a:t>
             </a:fld>
             <a:endParaRPr lang="ko-KR" altLang="en-US"/>
           </a:p>
@@ -1380,7 +1381,7 @@
           <a:p>
             <a:fld id="{1439AEB7-C6E7-4EF3-9224-DD5988BEB126}" type="datetimeFigureOut">
               <a:rPr lang="ko-KR" altLang="en-US" smtClean="0"/>
-              <a:t>2019-10-09</a:t>
+              <a:t>2019-10-10</a:t>
             </a:fld>
             <a:endParaRPr lang="ko-KR" altLang="en-US"/>
           </a:p>
@@ -1802,7 +1803,7 @@
           <a:p>
             <a:fld id="{1439AEB7-C6E7-4EF3-9224-DD5988BEB126}" type="datetimeFigureOut">
               <a:rPr lang="ko-KR" altLang="en-US" smtClean="0"/>
-              <a:t>2019-10-09</a:t>
+              <a:t>2019-10-10</a:t>
             </a:fld>
             <a:endParaRPr lang="ko-KR" altLang="en-US"/>
           </a:p>
@@ -1920,7 +1921,7 @@
           <a:p>
             <a:fld id="{1439AEB7-C6E7-4EF3-9224-DD5988BEB126}" type="datetimeFigureOut">
               <a:rPr lang="ko-KR" altLang="en-US" smtClean="0"/>
-              <a:t>2019-10-09</a:t>
+              <a:t>2019-10-10</a:t>
             </a:fld>
             <a:endParaRPr lang="ko-KR" altLang="en-US"/>
           </a:p>
@@ -2015,7 +2016,7 @@
           <a:p>
             <a:fld id="{1439AEB7-C6E7-4EF3-9224-DD5988BEB126}" type="datetimeFigureOut">
               <a:rPr lang="ko-KR" altLang="en-US" smtClean="0"/>
-              <a:t>2019-10-09</a:t>
+              <a:t>2019-10-10</a:t>
             </a:fld>
             <a:endParaRPr lang="ko-KR" altLang="en-US"/>
           </a:p>
@@ -2292,7 +2293,7 @@
           <a:p>
             <a:fld id="{1439AEB7-C6E7-4EF3-9224-DD5988BEB126}" type="datetimeFigureOut">
               <a:rPr lang="ko-KR" altLang="en-US" smtClean="0"/>
-              <a:t>2019-10-09</a:t>
+              <a:t>2019-10-10</a:t>
             </a:fld>
             <a:endParaRPr lang="ko-KR" altLang="en-US"/>
           </a:p>
@@ -2545,7 +2546,7 @@
           <a:p>
             <a:fld id="{1439AEB7-C6E7-4EF3-9224-DD5988BEB126}" type="datetimeFigureOut">
               <a:rPr lang="ko-KR" altLang="en-US" smtClean="0"/>
-              <a:t>2019-10-09</a:t>
+              <a:t>2019-10-10</a:t>
             </a:fld>
             <a:endParaRPr lang="ko-KR" altLang="en-US"/>
           </a:p>
@@ -2758,7 +2759,7 @@
           <a:p>
             <a:fld id="{1439AEB7-C6E7-4EF3-9224-DD5988BEB126}" type="datetimeFigureOut">
               <a:rPr lang="ko-KR" altLang="en-US" smtClean="0"/>
-              <a:t>2019-10-09</a:t>
+              <a:t>2019-10-10</a:t>
             </a:fld>
             <a:endParaRPr lang="ko-KR" altLang="en-US"/>
           </a:p>
@@ -3183,10 +3184,6 @@
               <a:rPr lang="en-US" altLang="ko-KR" dirty="0" smtClean="0"/>
               <a:t>2/2</a:t>
             </a:r>
-            <a:r>
-              <a:rPr lang="en-US" altLang="ko-KR" dirty="0" smtClean="0"/>
-              <a:t/>
-            </a:r>
             <a:br>
               <a:rPr lang="en-US" altLang="ko-KR" dirty="0" smtClean="0"/>
             </a:br>
@@ -3204,11 +3201,7 @@
             </a:r>
             <a:r>
               <a:rPr lang="ko-KR" altLang="en-US" dirty="0" smtClean="0"/>
-              <a:t> </a:t>
-            </a:r>
-            <a:r>
-              <a:rPr lang="ko-KR" altLang="en-US" dirty="0" smtClean="0"/>
-              <a:t>관련</a:t>
+              <a:t> 관련</a:t>
             </a:r>
             <a:r>
               <a:rPr lang="en-US" altLang="ko-KR" dirty="0" smtClean="0"/>
@@ -3807,6 +3800,13 @@
   <p:clrMapOvr>
     <a:masterClrMapping/>
   </p:clrMapOvr>
+  <p:timing>
+    <p:tnLst>
+      <p:par>
+        <p:cTn id="1" dur="indefinite" restart="never" nodeType="tmRoot"/>
+      </p:par>
+    </p:tnLst>
+  </p:timing>
 </p:sld>
 </file>
 
@@ -3955,6 +3955,13 @@
   <p:clrMapOvr>
     <a:masterClrMapping/>
   </p:clrMapOvr>
+  <p:timing>
+    <p:tnLst>
+      <p:par>
+        <p:cTn id="1" dur="indefinite" restart="never" nodeType="tmRoot"/>
+      </p:par>
+    </p:tnLst>
+  </p:timing>
 </p:sld>
 </file>
 
@@ -4268,6 +4275,13 @@
   <p:clrMapOvr>
     <a:masterClrMapping/>
   </p:clrMapOvr>
+  <p:timing>
+    <p:tnLst>
+      <p:par>
+        <p:cTn id="1" dur="indefinite" restart="never" nodeType="tmRoot"/>
+      </p:par>
+    </p:tnLst>
+  </p:timing>
 </p:sld>
 </file>
 
@@ -4303,6 +4317,186 @@
           <a:bodyPr/>
           <a:lstStyle/>
           <a:p>
+            <a:r>
+              <a:rPr lang="ko-KR" altLang="en-US" dirty="0" smtClean="0"/>
+              <a:t>소스분</a:t>
+            </a:r>
+            <a:r>
+              <a:rPr lang="ko-KR" altLang="en-US" dirty="0"/>
+              <a:t>석</a:t>
+            </a:r>
+          </a:p>
+        </p:txBody>
+      </p:sp>
+      <p:sp>
+        <p:nvSpPr>
+          <p:cNvPr id="3" name="내용 개체 틀 2"/>
+          <p:cNvSpPr>
+            <a:spLocks noGrp="1"/>
+          </p:cNvSpPr>
+          <p:nvPr>
+            <p:ph idx="1"/>
+          </p:nvPr>
+        </p:nvSpPr>
+        <p:spPr/>
+        <p:txBody>
+          <a:bodyPr/>
+          <a:lstStyle/>
+          <a:p>
+            <a:r>
+              <a:rPr lang="en-US" altLang="ko-KR" dirty="0" smtClean="0"/>
+              <a:t>Activity : </a:t>
+            </a:r>
+            <a:r>
+              <a:rPr lang="ko-KR" altLang="en-US" dirty="0" smtClean="0"/>
+              <a:t>한 화면을 구성 </a:t>
+            </a:r>
+            <a:r>
+              <a:rPr lang="ko-KR" altLang="en-US" dirty="0" err="1" smtClean="0"/>
+              <a:t>하기위한</a:t>
+            </a:r>
+            <a:r>
+              <a:rPr lang="ko-KR" altLang="en-US" dirty="0" smtClean="0"/>
+              <a:t> 기본 틀 </a:t>
+            </a:r>
+            <a:r>
+              <a:rPr lang="en-US" altLang="ko-KR" dirty="0" smtClean="0"/>
+              <a:t>(Manifest</a:t>
+            </a:r>
+            <a:r>
+              <a:rPr lang="ko-KR" altLang="en-US" dirty="0" smtClean="0"/>
+              <a:t>에 등록 필요</a:t>
+            </a:r>
+            <a:r>
+              <a:rPr lang="en-US" altLang="ko-KR" dirty="0" smtClean="0"/>
+              <a:t>)</a:t>
+            </a:r>
+          </a:p>
+          <a:p>
+            <a:r>
+              <a:rPr lang="en-US" altLang="ko-KR" dirty="0" smtClean="0"/>
+              <a:t>Fragment : Activity</a:t>
+            </a:r>
+            <a:r>
+              <a:rPr lang="ko-KR" altLang="en-US" dirty="0" smtClean="0"/>
+              <a:t>처럼 한 화면을 </a:t>
+            </a:r>
+            <a:r>
+              <a:rPr lang="ko-KR" altLang="en-US" dirty="0" err="1" smtClean="0"/>
+              <a:t>구성하기위한</a:t>
+            </a:r>
+            <a:r>
+              <a:rPr lang="ko-KR" altLang="en-US" dirty="0" smtClean="0"/>
+              <a:t> 기본 틀이지만</a:t>
+            </a:r>
+            <a:r>
+              <a:rPr lang="en-US" altLang="ko-KR" dirty="0" smtClean="0"/>
+              <a:t>, activity</a:t>
+            </a:r>
+            <a:r>
+              <a:rPr lang="ko-KR" altLang="en-US" dirty="0" smtClean="0"/>
+              <a:t>내에 들어갈 수 있음</a:t>
+            </a:r>
+            <a:r>
+              <a:rPr lang="en-US" altLang="ko-KR" dirty="0" smtClean="0"/>
+              <a:t>(Manifest </a:t>
+            </a:r>
+            <a:r>
+              <a:rPr lang="ko-KR" altLang="en-US" dirty="0" smtClean="0"/>
+              <a:t>등록 불필요</a:t>
+            </a:r>
+            <a:r>
+              <a:rPr lang="en-US" altLang="ko-KR" dirty="0" smtClean="0"/>
+              <a:t>)</a:t>
+            </a:r>
+          </a:p>
+          <a:p>
+            <a:r>
+              <a:rPr lang="en-US" altLang="ko-KR" dirty="0" smtClean="0"/>
+              <a:t>View : </a:t>
+            </a:r>
+            <a:r>
+              <a:rPr lang="ko-KR" altLang="en-US" dirty="0" smtClean="0"/>
+              <a:t>화면 구성 요소</a:t>
+            </a:r>
+            <a:r>
+              <a:rPr lang="en-US" altLang="ko-KR" dirty="0" smtClean="0"/>
+              <a:t>. </a:t>
+            </a:r>
+          </a:p>
+          <a:p>
+            <a:pPr marL="0" indent="0">
+              <a:buNone/>
+            </a:pPr>
+            <a:r>
+              <a:rPr lang="en-US" altLang="ko-KR" dirty="0"/>
+              <a:t> </a:t>
+            </a:r>
+            <a:r>
+              <a:rPr lang="en-US" altLang="ko-KR" dirty="0" smtClean="0"/>
+              <a:t>  Text, button, Image, View</a:t>
+            </a:r>
+            <a:r>
+              <a:rPr lang="ko-KR" altLang="en-US" smtClean="0"/>
+              <a:t>포함</a:t>
+            </a:r>
+            <a:endParaRPr lang="ko-KR" altLang="en-US" dirty="0"/>
+          </a:p>
+        </p:txBody>
+      </p:sp>
+    </p:spTree>
+    <p:extLst>
+      <p:ext uri="{BB962C8B-B14F-4D97-AF65-F5344CB8AC3E}">
+        <p14:creationId xmlns:p14="http://schemas.microsoft.com/office/powerpoint/2010/main" val="4101679100"/>
+      </p:ext>
+    </p:extLst>
+  </p:cSld>
+  <p:clrMapOvr>
+    <a:masterClrMapping/>
+  </p:clrMapOvr>
+</p:sld>
+</file>
+
+<file path=ppt/slides/slide16.xml><?xml version="1.0" encoding="utf-8"?>
+<p:sld xmlns:a="http://schemas.openxmlformats.org/drawingml/2006/main" xmlns:r="http://schemas.openxmlformats.org/officeDocument/2006/relationships" xmlns:p="http://schemas.openxmlformats.org/presentationml/2006/main">
+  <p:cSld>
+    <p:spTree>
+      <p:nvGrpSpPr>
+        <p:cNvPr id="1" name=""/>
+        <p:cNvGrpSpPr/>
+        <p:nvPr/>
+      </p:nvGrpSpPr>
+      <p:grpSpPr>
+        <a:xfrm>
+          <a:off x="0" y="0"/>
+          <a:ext cx="0" cy="0"/>
+          <a:chOff x="0" y="0"/>
+          <a:chExt cx="0" cy="0"/>
+        </a:xfrm>
+      </p:grpSpPr>
+      <p:sp>
+        <p:nvSpPr>
+          <p:cNvPr id="2" name="제목 1"/>
+          <p:cNvSpPr>
+            <a:spLocks noGrp="1"/>
+          </p:cNvSpPr>
+          <p:nvPr>
+            <p:ph type="title"/>
+          </p:nvPr>
+        </p:nvSpPr>
+        <p:spPr/>
+        <p:txBody>
+          <a:bodyPr/>
+          <a:lstStyle/>
+          <a:p>
+            <a:r>
+              <a:rPr lang="ko-KR" altLang="en-US" dirty="0" smtClean="0"/>
+              <a:t>소스분석</a:t>
+            </a:r>
+            <a:r>
+              <a:rPr lang="en-US" altLang="ko-KR" dirty="0" smtClean="0"/>
+              <a:t>-</a:t>
+            </a:r>
             <a:r>
               <a:rPr lang="en-US" altLang="ko-KR" dirty="0" err="1" smtClean="0"/>
               <a:t>AndroidManifest</a:t>
@@ -4519,10 +4713,17 @@
   <p:clrMapOvr>
     <a:masterClrMapping/>
   </p:clrMapOvr>
+  <p:timing>
+    <p:tnLst>
+      <p:par>
+        <p:cTn id="1" dur="indefinite" restart="never" nodeType="tmRoot"/>
+      </p:par>
+    </p:tnLst>
+  </p:timing>
 </p:sld>
 </file>
 
-<file path=ppt/slides/slide16.xml><?xml version="1.0" encoding="utf-8"?>
+<file path=ppt/slides/slide17.xml><?xml version="1.0" encoding="utf-8"?>
 <p:sld xmlns:a="http://schemas.openxmlformats.org/drawingml/2006/main" xmlns:r="http://schemas.openxmlformats.org/officeDocument/2006/relationships" xmlns:p="http://schemas.openxmlformats.org/presentationml/2006/main">
   <p:cSld>
     <p:spTree>
@@ -5145,10 +5346,17 @@
   <p:clrMapOvr>
     <a:masterClrMapping/>
   </p:clrMapOvr>
+  <p:timing>
+    <p:tnLst>
+      <p:par>
+        <p:cTn id="1" dur="indefinite" restart="never" nodeType="tmRoot"/>
+      </p:par>
+    </p:tnLst>
+  </p:timing>
 </p:sld>
 </file>
 
-<file path=ppt/slides/slide17.xml><?xml version="1.0" encoding="utf-8"?>
+<file path=ppt/slides/slide18.xml><?xml version="1.0" encoding="utf-8"?>
 <p:sld xmlns:a="http://schemas.openxmlformats.org/drawingml/2006/main" xmlns:r="http://schemas.openxmlformats.org/officeDocument/2006/relationships" xmlns:p="http://schemas.openxmlformats.org/presentationml/2006/main">
   <p:cSld>
     <p:spTree>
@@ -5660,10 +5868,17 @@
   <p:clrMapOvr>
     <a:masterClrMapping/>
   </p:clrMapOvr>
+  <p:timing>
+    <p:tnLst>
+      <p:par>
+        <p:cTn id="1" dur="indefinite" restart="never" nodeType="tmRoot"/>
+      </p:par>
+    </p:tnLst>
+  </p:timing>
 </p:sld>
 </file>
 
-<file path=ppt/slides/slide18.xml><?xml version="1.0" encoding="utf-8"?>
+<file path=ppt/slides/slide19.xml><?xml version="1.0" encoding="utf-8"?>
 <p:sld xmlns:a="http://schemas.openxmlformats.org/drawingml/2006/main" xmlns:r="http://schemas.openxmlformats.org/officeDocument/2006/relationships" xmlns:p="http://schemas.openxmlformats.org/presentationml/2006/main">
   <p:cSld>
     <p:spTree>
@@ -5864,10 +6079,194 @@
   <p:clrMapOvr>
     <a:masterClrMapping/>
   </p:clrMapOvr>
+  <p:timing>
+    <p:tnLst>
+      <p:par>
+        <p:cTn id="1" dur="indefinite" restart="never" nodeType="tmRoot"/>
+      </p:par>
+    </p:tnLst>
+  </p:timing>
 </p:sld>
 </file>
 
-<file path=ppt/slides/slide19.xml><?xml version="1.0" encoding="utf-8"?>
+<file path=ppt/slides/slide2.xml><?xml version="1.0" encoding="utf-8"?>
+<p:sld xmlns:a="http://schemas.openxmlformats.org/drawingml/2006/main" xmlns:r="http://schemas.openxmlformats.org/officeDocument/2006/relationships" xmlns:p="http://schemas.openxmlformats.org/presentationml/2006/main">
+  <p:cSld>
+    <p:spTree>
+      <p:nvGrpSpPr>
+        <p:cNvPr id="1" name=""/>
+        <p:cNvGrpSpPr/>
+        <p:nvPr/>
+      </p:nvGrpSpPr>
+      <p:grpSpPr>
+        <a:xfrm>
+          <a:off x="0" y="0"/>
+          <a:ext cx="0" cy="0"/>
+          <a:chOff x="0" y="0"/>
+          <a:chExt cx="0" cy="0"/>
+        </a:xfrm>
+      </p:grpSpPr>
+      <p:sp>
+        <p:nvSpPr>
+          <p:cNvPr id="2" name="제목 1"/>
+          <p:cNvSpPr>
+            <a:spLocks noGrp="1"/>
+          </p:cNvSpPr>
+          <p:nvPr>
+            <p:ph type="title"/>
+          </p:nvPr>
+        </p:nvSpPr>
+        <p:spPr/>
+        <p:txBody>
+          <a:bodyPr/>
+          <a:lstStyle/>
+          <a:p>
+            <a:r>
+              <a:rPr lang="ko-KR" altLang="en-US" dirty="0" smtClean="0"/>
+              <a:t>목차</a:t>
+            </a:r>
+            <a:endParaRPr lang="ko-KR" altLang="en-US" dirty="0"/>
+          </a:p>
+        </p:txBody>
+      </p:sp>
+      <p:sp>
+        <p:nvSpPr>
+          <p:cNvPr id="3" name="내용 개체 틀 2"/>
+          <p:cNvSpPr>
+            <a:spLocks noGrp="1"/>
+          </p:cNvSpPr>
+          <p:nvPr>
+            <p:ph idx="1"/>
+          </p:nvPr>
+        </p:nvSpPr>
+        <p:spPr/>
+        <p:txBody>
+          <a:bodyPr>
+            <a:normAutofit/>
+          </a:bodyPr>
+          <a:lstStyle/>
+          <a:p>
+            <a:pPr marL="0" indent="0">
+              <a:buNone/>
+            </a:pPr>
+            <a:r>
+              <a:rPr lang="en-US" altLang="ko-KR" dirty="0" smtClean="0"/>
+              <a:t>1. </a:t>
+            </a:r>
+            <a:r>
+              <a:rPr lang="ko-KR" altLang="en-US" dirty="0" err="1" smtClean="0"/>
+              <a:t>안드로이드스튜디오</a:t>
+            </a:r>
+            <a:r>
+              <a:rPr lang="ko-KR" altLang="en-US" dirty="0" smtClean="0"/>
+              <a:t> </a:t>
+            </a:r>
+            <a:r>
+              <a:rPr lang="ko-KR" altLang="en-US" dirty="0" smtClean="0"/>
+              <a:t>소개</a:t>
+            </a:r>
+            <a:endParaRPr lang="en-US" altLang="ko-KR" dirty="0" smtClean="0"/>
+          </a:p>
+          <a:p>
+            <a:pPr marL="0" indent="0">
+              <a:buNone/>
+            </a:pPr>
+            <a:r>
+              <a:rPr lang="en-US" altLang="ko-KR" dirty="0" smtClean="0"/>
+              <a:t>2. </a:t>
+            </a:r>
+            <a:r>
+              <a:rPr lang="ko-KR" altLang="en-US" dirty="0" smtClean="0"/>
+              <a:t>프로젝트 생성</a:t>
+            </a:r>
+            <a:r>
+              <a:rPr lang="en-US" altLang="ko-KR" dirty="0" smtClean="0"/>
+              <a:t> </a:t>
+            </a:r>
+          </a:p>
+          <a:p>
+            <a:pPr marL="0" indent="0">
+              <a:buNone/>
+            </a:pPr>
+            <a:r>
+              <a:rPr lang="en-US" altLang="ko-KR" dirty="0" smtClean="0"/>
+              <a:t>3. </a:t>
+            </a:r>
+            <a:r>
+              <a:rPr lang="ko-KR" altLang="en-US" dirty="0" smtClean="0"/>
+              <a:t>에뮬레이터 생성</a:t>
+            </a:r>
+            <a:endParaRPr lang="en-US" altLang="ko-KR" dirty="0" smtClean="0"/>
+          </a:p>
+          <a:p>
+            <a:pPr marL="0" indent="0">
+              <a:buNone/>
+            </a:pPr>
+            <a:r>
+              <a:rPr lang="en-US" altLang="ko-KR" dirty="0" smtClean="0"/>
+              <a:t>4. </a:t>
+            </a:r>
+            <a:r>
+              <a:rPr lang="ko-KR" altLang="en-US" dirty="0" err="1" smtClean="0"/>
+              <a:t>앱배포</a:t>
+            </a:r>
+            <a:r>
+              <a:rPr lang="ko-KR" altLang="en-US" dirty="0" smtClean="0"/>
+              <a:t> </a:t>
+            </a:r>
+            <a:r>
+              <a:rPr lang="en-US" altLang="ko-KR" dirty="0" smtClean="0"/>
+              <a:t>– </a:t>
+            </a:r>
+            <a:r>
+              <a:rPr lang="ko-KR" altLang="en-US" dirty="0" smtClean="0"/>
+              <a:t>에뮬레이터</a:t>
+            </a:r>
+            <a:endParaRPr lang="en-US" altLang="ko-KR" dirty="0" smtClean="0"/>
+          </a:p>
+          <a:p>
+            <a:pPr marL="0" indent="0">
+              <a:buNone/>
+            </a:pPr>
+            <a:r>
+              <a:rPr lang="en-US" altLang="ko-KR" dirty="0" smtClean="0"/>
+              <a:t>5. </a:t>
+            </a:r>
+            <a:r>
+              <a:rPr lang="ko-KR" altLang="en-US" dirty="0" smtClean="0"/>
+              <a:t>소스 분석</a:t>
+            </a:r>
+            <a:endParaRPr lang="en-US" altLang="ko-KR" dirty="0" smtClean="0"/>
+          </a:p>
+          <a:p>
+            <a:endParaRPr lang="en-US" altLang="ko-KR" dirty="0" smtClean="0"/>
+          </a:p>
+          <a:p>
+            <a:endParaRPr lang="ko-KR" altLang="en-US" dirty="0"/>
+          </a:p>
+        </p:txBody>
+      </p:sp>
+    </p:spTree>
+    <p:extLst>
+      <p:ext uri="{BB962C8B-B14F-4D97-AF65-F5344CB8AC3E}">
+        <p14:creationId xmlns:p14="http://schemas.microsoft.com/office/powerpoint/2010/main" val="3478211884"/>
+      </p:ext>
+    </p:extLst>
+  </p:cSld>
+  <p:clrMapOvr>
+    <a:masterClrMapping/>
+  </p:clrMapOvr>
+  <p:timing>
+    <p:tnLst>
+      <p:par>
+        <p:cTn id="1" dur="indefinite" restart="never" nodeType="tmRoot"/>
+      </p:par>
+    </p:tnLst>
+  </p:timing>
+</p:sld>
+</file>
+
+<file path=ppt/slides/slide20.xml><?xml version="1.0" encoding="utf-8"?>
 <p:sld xmlns:a="http://schemas.openxmlformats.org/drawingml/2006/main" xmlns:r="http://schemas.openxmlformats.org/officeDocument/2006/relationships" xmlns:p="http://schemas.openxmlformats.org/presentationml/2006/main">
   <p:cSld>
     <p:spTree>
@@ -6088,98 +6487,6 @@
   <p:clrMapOvr>
     <a:masterClrMapping/>
   </p:clrMapOvr>
-</p:sld>
-</file>
-
-<file path=ppt/slides/slide2.xml><?xml version="1.0" encoding="utf-8"?>
-<p:sld xmlns:a="http://schemas.openxmlformats.org/drawingml/2006/main" xmlns:r="http://schemas.openxmlformats.org/officeDocument/2006/relationships" xmlns:p="http://schemas.openxmlformats.org/presentationml/2006/main">
-  <p:cSld>
-    <p:spTree>
-      <p:nvGrpSpPr>
-        <p:cNvPr id="1" name=""/>
-        <p:cNvGrpSpPr/>
-        <p:nvPr/>
-      </p:nvGrpSpPr>
-      <p:grpSpPr>
-        <a:xfrm>
-          <a:off x="0" y="0"/>
-          <a:ext cx="0" cy="0"/>
-          <a:chOff x="0" y="0"/>
-          <a:chExt cx="0" cy="0"/>
-        </a:xfrm>
-      </p:grpSpPr>
-      <p:sp>
-        <p:nvSpPr>
-          <p:cNvPr id="2" name="제목 1"/>
-          <p:cNvSpPr>
-            <a:spLocks noGrp="1"/>
-          </p:cNvSpPr>
-          <p:nvPr>
-            <p:ph type="title"/>
-          </p:nvPr>
-        </p:nvSpPr>
-        <p:spPr/>
-        <p:txBody>
-          <a:bodyPr/>
-          <a:lstStyle/>
-          <a:p>
-            <a:r>
-              <a:rPr lang="ko-KR" altLang="en-US" dirty="0" smtClean="0"/>
-              <a:t>목차</a:t>
-            </a:r>
-            <a:endParaRPr lang="ko-KR" altLang="en-US" dirty="0"/>
-          </a:p>
-        </p:txBody>
-      </p:sp>
-      <p:sp>
-        <p:nvSpPr>
-          <p:cNvPr id="3" name="내용 개체 틀 2"/>
-          <p:cNvSpPr>
-            <a:spLocks noGrp="1"/>
-          </p:cNvSpPr>
-          <p:nvPr>
-            <p:ph idx="1"/>
-          </p:nvPr>
-        </p:nvSpPr>
-        <p:spPr/>
-        <p:txBody>
-          <a:bodyPr>
-            <a:normAutofit/>
-          </a:bodyPr>
-          <a:lstStyle/>
-          <a:p>
-            <a:r>
-              <a:rPr lang="en-US" altLang="ko-KR" dirty="0" smtClean="0"/>
-              <a:t>1. </a:t>
-            </a:r>
-            <a:r>
-              <a:rPr lang="ko-KR" altLang="en-US" dirty="0" err="1" smtClean="0"/>
-              <a:t>안드로이드스튜디오</a:t>
-            </a:r>
-            <a:r>
-              <a:rPr lang="en-US" altLang="ko-KR" dirty="0" smtClean="0"/>
-              <a:t>?</a:t>
-            </a:r>
-            <a:endParaRPr lang="en-US" altLang="ko-KR" dirty="0" smtClean="0"/>
-          </a:p>
-          <a:p>
-            <a:endParaRPr lang="en-US" altLang="ko-KR" dirty="0" smtClean="0"/>
-          </a:p>
-          <a:p>
-            <a:endParaRPr lang="ko-KR" altLang="en-US" dirty="0"/>
-          </a:p>
-        </p:txBody>
-      </p:sp>
-    </p:spTree>
-    <p:extLst>
-      <p:ext uri="{BB962C8B-B14F-4D97-AF65-F5344CB8AC3E}">
-        <p14:creationId xmlns:p14="http://schemas.microsoft.com/office/powerpoint/2010/main" val="3478211884"/>
-      </p:ext>
-    </p:extLst>
-  </p:cSld>
-  <p:clrMapOvr>
-    <a:masterClrMapping/>
-  </p:clrMapOvr>
   <p:timing>
     <p:tnLst>
       <p:par>
@@ -6190,7 +6497,7 @@
 </p:sld>
 </file>
 
-<file path=ppt/slides/slide20.xml><?xml version="1.0" encoding="utf-8"?>
+<file path=ppt/slides/slide21.xml><?xml version="1.0" encoding="utf-8"?>
 <p:sld xmlns:a="http://schemas.openxmlformats.org/drawingml/2006/main" xmlns:r="http://schemas.openxmlformats.org/officeDocument/2006/relationships" xmlns:p="http://schemas.openxmlformats.org/presentationml/2006/main">
   <p:cSld>
     <p:spTree>
@@ -6636,10 +6943,17 @@
   <p:clrMapOvr>
     <a:masterClrMapping/>
   </p:clrMapOvr>
+  <p:timing>
+    <p:tnLst>
+      <p:par>
+        <p:cTn id="1" dur="indefinite" restart="never" nodeType="tmRoot"/>
+      </p:par>
+    </p:tnLst>
+  </p:timing>
 </p:sld>
 </file>
 
-<file path=ppt/slides/slide21.xml><?xml version="1.0" encoding="utf-8"?>
+<file path=ppt/slides/slide22.xml><?xml version="1.0" encoding="utf-8"?>
 <p:sld xmlns:a="http://schemas.openxmlformats.org/drawingml/2006/main" xmlns:r="http://schemas.openxmlformats.org/officeDocument/2006/relationships" xmlns:p="http://schemas.openxmlformats.org/presentationml/2006/main">
   <p:cSld>
     <p:spTree>
@@ -8063,14 +8377,6 @@
               </a:rPr>
               <a:t> 지정하기 위한 액션</a:t>
             </a:r>
-            <a:endParaRPr lang="ko-KR" altLang="en-US" dirty="0">
-              <a:solidFill>
-                <a:schemeClr val="tx1">
-                  <a:lumMod val="95000"/>
-                  <a:lumOff val="5000"/>
-                </a:schemeClr>
-              </a:solidFill>
-            </a:endParaRPr>
           </a:p>
         </p:txBody>
       </p:sp>
@@ -8298,10 +8604,17 @@
   <p:clrMapOvr>
     <a:masterClrMapping/>
   </p:clrMapOvr>
+  <p:timing>
+    <p:tnLst>
+      <p:par>
+        <p:cTn id="1" dur="indefinite" restart="never" nodeType="tmRoot"/>
+      </p:par>
+    </p:tnLst>
+  </p:timing>
 </p:sld>
 </file>
 
-<file path=ppt/slides/slide22.xml><?xml version="1.0" encoding="utf-8"?>
+<file path=ppt/slides/slide23.xml><?xml version="1.0" encoding="utf-8"?>
 <p:sld xmlns:a="http://schemas.openxmlformats.org/drawingml/2006/main" xmlns:r="http://schemas.openxmlformats.org/officeDocument/2006/relationships" xmlns:p="http://schemas.openxmlformats.org/presentationml/2006/main">
   <p:cSld>
     <p:spTree>
@@ -8741,10 +9054,17 @@
   <p:clrMapOvr>
     <a:masterClrMapping/>
   </p:clrMapOvr>
+  <p:timing>
+    <p:tnLst>
+      <p:par>
+        <p:cTn id="1" dur="indefinite" restart="never" nodeType="tmRoot"/>
+      </p:par>
+    </p:tnLst>
+  </p:timing>
 </p:sld>
 </file>
 
-<file path=ppt/slides/slide23.xml><?xml version="1.0" encoding="utf-8"?>
+<file path=ppt/slides/slide24.xml><?xml version="1.0" encoding="utf-8"?>
 <p:sld xmlns:a="http://schemas.openxmlformats.org/drawingml/2006/main" xmlns:r="http://schemas.openxmlformats.org/officeDocument/2006/relationships" xmlns:p="http://schemas.openxmlformats.org/presentationml/2006/main">
   <p:cSld>
     <p:spTree>
@@ -8897,10 +9217,17 @@
   <p:clrMapOvr>
     <a:masterClrMapping/>
   </p:clrMapOvr>
+  <p:timing>
+    <p:tnLst>
+      <p:par>
+        <p:cTn id="1" dur="indefinite" restart="never" nodeType="tmRoot"/>
+      </p:par>
+    </p:tnLst>
+  </p:timing>
 </p:sld>
 </file>
 
-<file path=ppt/slides/slide24.xml><?xml version="1.0" encoding="utf-8"?>
+<file path=ppt/slides/slide25.xml><?xml version="1.0" encoding="utf-8"?>
 <p:sld xmlns:a="http://schemas.openxmlformats.org/drawingml/2006/main" xmlns:r="http://schemas.openxmlformats.org/officeDocument/2006/relationships" xmlns:p="http://schemas.openxmlformats.org/presentationml/2006/main">
   <p:cSld>
     <p:spTree>
@@ -9269,10 +9596,17 @@
   <p:clrMapOvr>
     <a:masterClrMapping/>
   </p:clrMapOvr>
+  <p:timing>
+    <p:tnLst>
+      <p:par>
+        <p:cTn id="1" dur="indefinite" restart="never" nodeType="tmRoot"/>
+      </p:par>
+    </p:tnLst>
+  </p:timing>
 </p:sld>
 </file>
 
-<file path=ppt/slides/slide25.xml><?xml version="1.0" encoding="utf-8"?>
+<file path=ppt/slides/slide26.xml><?xml version="1.0" encoding="utf-8"?>
 <p:sld xmlns:a="http://schemas.openxmlformats.org/drawingml/2006/main" xmlns:r="http://schemas.openxmlformats.org/officeDocument/2006/relationships" xmlns:p="http://schemas.openxmlformats.org/presentationml/2006/main">
   <p:cSld>
     <p:spTree>
@@ -10083,10 +10417,17 @@
   <p:clrMapOvr>
     <a:masterClrMapping/>
   </p:clrMapOvr>
+  <p:timing>
+    <p:tnLst>
+      <p:par>
+        <p:cTn id="1" dur="indefinite" restart="never" nodeType="tmRoot"/>
+      </p:par>
+    </p:tnLst>
+  </p:timing>
 </p:sld>
 </file>
 
-<file path=ppt/slides/slide26.xml><?xml version="1.0" encoding="utf-8"?>
+<file path=ppt/slides/slide27.xml><?xml version="1.0" encoding="utf-8"?>
 <p:sld xmlns:a="http://schemas.openxmlformats.org/drawingml/2006/main" xmlns:r="http://schemas.openxmlformats.org/officeDocument/2006/relationships" xmlns:p="http://schemas.openxmlformats.org/presentationml/2006/main">
   <p:cSld>
     <p:spTree>
@@ -10237,10 +10578,17 @@
   <p:clrMapOvr>
     <a:masterClrMapping/>
   </p:clrMapOvr>
+  <p:timing>
+    <p:tnLst>
+      <p:par>
+        <p:cTn id="1" dur="indefinite" restart="never" nodeType="tmRoot"/>
+      </p:par>
+    </p:tnLst>
+  </p:timing>
 </p:sld>
 </file>
 
-<file path=ppt/slides/slide27.xml><?xml version="1.0" encoding="utf-8"?>
+<file path=ppt/slides/slide28.xml><?xml version="1.0" encoding="utf-8"?>
 <p:sld xmlns:a="http://schemas.openxmlformats.org/drawingml/2006/main" xmlns:r="http://schemas.openxmlformats.org/officeDocument/2006/relationships" xmlns:p="http://schemas.openxmlformats.org/presentationml/2006/main">
   <p:cSld>
     <p:spTree>
@@ -10523,10 +10871,17 @@
   <p:clrMapOvr>
     <a:masterClrMapping/>
   </p:clrMapOvr>
+  <p:timing>
+    <p:tnLst>
+      <p:par>
+        <p:cTn id="1" dur="indefinite" restart="never" nodeType="tmRoot"/>
+      </p:par>
+    </p:tnLst>
+  </p:timing>
 </p:sld>
 </file>
 
-<file path=ppt/slides/slide28.xml><?xml version="1.0" encoding="utf-8"?>
+<file path=ppt/slides/slide29.xml><?xml version="1.0" encoding="utf-8"?>
 <p:sld xmlns:a="http://schemas.openxmlformats.org/drawingml/2006/main" xmlns:r="http://schemas.openxmlformats.org/officeDocument/2006/relationships" xmlns:p="http://schemas.openxmlformats.org/presentationml/2006/main">
   <p:cSld>
     <p:spTree>
@@ -11295,299 +11650,13 @@
   <p:clrMapOvr>
     <a:masterClrMapping/>
   </p:clrMapOvr>
-</p:sld>
-</file>
-
-<file path=ppt/slides/slide29.xml><?xml version="1.0" encoding="utf-8"?>
-<p:sld xmlns:a="http://schemas.openxmlformats.org/drawingml/2006/main" xmlns:r="http://schemas.openxmlformats.org/officeDocument/2006/relationships" xmlns:p="http://schemas.openxmlformats.org/presentationml/2006/main">
-  <p:cSld>
-    <p:spTree>
-      <p:nvGrpSpPr>
-        <p:cNvPr id="1" name=""/>
-        <p:cNvGrpSpPr/>
-        <p:nvPr/>
-      </p:nvGrpSpPr>
-      <p:grpSpPr>
-        <a:xfrm>
-          <a:off x="0" y="0"/>
-          <a:ext cx="0" cy="0"/>
-          <a:chOff x="0" y="0"/>
-          <a:chExt cx="0" cy="0"/>
-        </a:xfrm>
-      </p:grpSpPr>
-      <p:sp>
-        <p:nvSpPr>
-          <p:cNvPr id="2" name="제목 1"/>
-          <p:cNvSpPr>
-            <a:spLocks noGrp="1"/>
-          </p:cNvSpPr>
-          <p:nvPr>
-            <p:ph type="title"/>
-          </p:nvPr>
-        </p:nvSpPr>
-        <p:spPr/>
-        <p:txBody>
-          <a:bodyPr>
-            <a:normAutofit/>
-          </a:bodyPr>
-          <a:lstStyle/>
-          <a:p>
-            <a:r>
-              <a:rPr lang="en-US" altLang="ko-KR" b="1" dirty="0" smtClean="0"/>
-              <a:t>5.</a:t>
-            </a:r>
-            <a:r>
-              <a:rPr lang="ko-KR" altLang="en-US" b="1" dirty="0" smtClean="0"/>
-              <a:t>어댑터 </a:t>
-            </a:r>
-            <a:r>
-              <a:rPr lang="ko-KR" altLang="en-US" b="1" dirty="0"/>
-              <a:t>상속 및 구현</a:t>
-            </a:r>
-            <a:r>
-              <a:rPr lang="en-US" altLang="ko-KR" b="1" dirty="0" smtClean="0"/>
-              <a:t>.</a:t>
-            </a:r>
-            <a:endParaRPr lang="ko-KR" altLang="en-US" dirty="0"/>
-          </a:p>
-        </p:txBody>
-      </p:sp>
-      <p:sp>
-        <p:nvSpPr>
-          <p:cNvPr id="3" name="내용 개체 틀 2"/>
-          <p:cNvSpPr>
-            <a:spLocks noGrp="1"/>
-          </p:cNvSpPr>
-          <p:nvPr>
-            <p:ph idx="1"/>
-          </p:nvPr>
-        </p:nvSpPr>
-        <p:spPr/>
-        <p:txBody>
-          <a:bodyPr/>
-          <a:lstStyle/>
-          <a:p>
-            <a:r>
-              <a:rPr lang="en-US" altLang="ko-KR" sz="2000" b="1" dirty="0" smtClean="0"/>
-              <a:t>Adapter</a:t>
-            </a:r>
-            <a:r>
-              <a:rPr lang="ko-KR" altLang="en-US" sz="2000" b="1" dirty="0" smtClean="0"/>
-              <a:t>란</a:t>
-            </a:r>
-            <a:r>
-              <a:rPr lang="en-US" altLang="ko-KR" sz="2000" b="1" dirty="0" smtClean="0"/>
-              <a:t>? </a:t>
-            </a:r>
-            <a:r>
-              <a:rPr lang="en-US" altLang="ko-KR" sz="2000" dirty="0" err="1" smtClean="0"/>
-              <a:t>ListView</a:t>
-            </a:r>
-            <a:r>
-              <a:rPr lang="en-US" altLang="ko-KR" sz="2000" dirty="0" smtClean="0"/>
-              <a:t> </a:t>
-            </a:r>
-            <a:r>
-              <a:rPr lang="en-US" altLang="ko-KR" sz="2000" dirty="0"/>
-              <a:t>(</a:t>
-            </a:r>
-            <a:r>
-              <a:rPr lang="ko-KR" altLang="en-US" sz="2000" dirty="0"/>
-              <a:t>또는 다른 형태의 </a:t>
-            </a:r>
-            <a:r>
-              <a:rPr lang="en-US" altLang="ko-KR" sz="2000" dirty="0" err="1"/>
-              <a:t>ViewGroup</a:t>
-            </a:r>
-            <a:r>
-              <a:rPr lang="en-US" altLang="ko-KR" sz="2000" dirty="0"/>
-              <a:t>) </a:t>
-            </a:r>
-            <a:r>
-              <a:rPr lang="ko-KR" altLang="en-US" sz="2000" dirty="0"/>
-              <a:t>와 실제 데이터</a:t>
-            </a:r>
-            <a:r>
-              <a:rPr lang="en-US" altLang="ko-KR" sz="2000" dirty="0"/>
-              <a:t>(List, Array </a:t>
-            </a:r>
-            <a:r>
-              <a:rPr lang="ko-KR" altLang="en-US" sz="2000" dirty="0"/>
-              <a:t>등</a:t>
-            </a:r>
-            <a:r>
-              <a:rPr lang="en-US" altLang="ko-KR" sz="2000" dirty="0"/>
-              <a:t>)</a:t>
-            </a:r>
-            <a:r>
-              <a:rPr lang="ko-KR" altLang="en-US" sz="2000" dirty="0"/>
-              <a:t>의 중간 역할을 하는 추상 </a:t>
-            </a:r>
-            <a:r>
-              <a:rPr lang="ko-KR" altLang="en-US" sz="2000" dirty="0" smtClean="0"/>
-              <a:t>인터페이스</a:t>
-            </a:r>
-            <a:endParaRPr lang="en-US" altLang="ko-KR" sz="2000" dirty="0" smtClean="0"/>
-          </a:p>
-          <a:p>
-            <a:endParaRPr lang="en-US" altLang="ko-KR" sz="2000" b="1" dirty="0"/>
-          </a:p>
-          <a:p>
-            <a:r>
-              <a:rPr lang="ko-KR" altLang="en-US" sz="2000" b="1" dirty="0" smtClean="0"/>
-              <a:t>주요 </a:t>
-            </a:r>
-            <a:r>
-              <a:rPr lang="ko-KR" altLang="en-US" sz="2000" b="1" dirty="0" err="1" smtClean="0"/>
-              <a:t>메소드</a:t>
-            </a:r>
-            <a:r>
-              <a:rPr lang="ko-KR" altLang="en-US" sz="2000" b="1" dirty="0" smtClean="0"/>
-              <a:t> 구현</a:t>
-            </a:r>
-            <a:endParaRPr lang="en-US" altLang="ko-KR" sz="2000" b="1" dirty="0" smtClean="0"/>
-          </a:p>
-          <a:p>
-            <a:pPr lvl="1"/>
-            <a:r>
-              <a:rPr lang="en-US" altLang="ko-KR" sz="1600" b="1" dirty="0" err="1" smtClean="0"/>
-              <a:t>onCreateViewHolder</a:t>
-            </a:r>
-            <a:r>
-              <a:rPr lang="en-US" altLang="ko-KR" sz="1600" b="1" dirty="0"/>
-              <a:t>() </a:t>
-            </a:r>
-            <a:r>
-              <a:rPr lang="en-US" altLang="ko-KR" sz="1600" dirty="0"/>
-              <a:t>: </a:t>
-            </a:r>
-            <a:r>
-              <a:rPr lang="ko-KR" altLang="en-US" sz="1600" dirty="0" err="1"/>
-              <a:t>뷰홀더</a:t>
-            </a:r>
-            <a:r>
-              <a:rPr lang="ko-KR" altLang="en-US" sz="1600" dirty="0"/>
-              <a:t> 객체 생성</a:t>
-            </a:r>
-            <a:r>
-              <a:rPr lang="en-US" altLang="ko-KR" sz="1600" dirty="0"/>
-              <a:t>.</a:t>
-            </a:r>
-          </a:p>
-          <a:p>
-            <a:pPr lvl="1"/>
-            <a:r>
-              <a:rPr lang="en-US" altLang="ko-KR" sz="1600" b="1" dirty="0" err="1"/>
-              <a:t>onBindViewHolder</a:t>
-            </a:r>
-            <a:r>
-              <a:rPr lang="en-US" altLang="ko-KR" sz="1600" b="1" dirty="0"/>
-              <a:t>()</a:t>
-            </a:r>
-            <a:r>
-              <a:rPr lang="ko-KR" altLang="en-US" sz="1600" dirty="0"/>
-              <a:t> </a:t>
-            </a:r>
-            <a:r>
-              <a:rPr lang="en-US" altLang="ko-KR" sz="1600" dirty="0"/>
-              <a:t>: </a:t>
-            </a:r>
-            <a:r>
-              <a:rPr lang="ko-KR" altLang="en-US" sz="1600" dirty="0"/>
-              <a:t>데이터를 </a:t>
-            </a:r>
-            <a:r>
-              <a:rPr lang="ko-KR" altLang="en-US" sz="1600" dirty="0" err="1"/>
-              <a:t>뷰홀더에</a:t>
-            </a:r>
-            <a:r>
-              <a:rPr lang="ko-KR" altLang="en-US" sz="1600" dirty="0"/>
-              <a:t> 바인딩</a:t>
-            </a:r>
-            <a:r>
-              <a:rPr lang="en-US" altLang="ko-KR" sz="1600" dirty="0"/>
-              <a:t>.</a:t>
-            </a:r>
-          </a:p>
-          <a:p>
-            <a:pPr lvl="1"/>
-            <a:r>
-              <a:rPr lang="en-US" altLang="ko-KR" sz="1600" b="1" dirty="0" err="1"/>
-              <a:t>getItemCount</a:t>
-            </a:r>
-            <a:r>
-              <a:rPr lang="en-US" altLang="ko-KR" sz="1600" b="1" dirty="0"/>
-              <a:t>()</a:t>
-            </a:r>
-            <a:r>
-              <a:rPr lang="ko-KR" altLang="en-US" sz="1600" dirty="0"/>
-              <a:t> </a:t>
-            </a:r>
-            <a:r>
-              <a:rPr lang="en-US" altLang="ko-KR" sz="1600" dirty="0"/>
-              <a:t>: </a:t>
-            </a:r>
-            <a:r>
-              <a:rPr lang="ko-KR" altLang="en-US" sz="1600" dirty="0"/>
-              <a:t>전체 아이템 </a:t>
-            </a:r>
-            <a:r>
-              <a:rPr lang="ko-KR" altLang="en-US" sz="1600" dirty="0" err="1"/>
-              <a:t>갯수</a:t>
-            </a:r>
-            <a:r>
-              <a:rPr lang="ko-KR" altLang="en-US" sz="1600" dirty="0"/>
-              <a:t> 리턴</a:t>
-            </a:r>
-            <a:r>
-              <a:rPr lang="en-US" altLang="ko-KR" sz="1600" dirty="0"/>
-              <a:t>.</a:t>
-            </a:r>
-          </a:p>
-          <a:p>
-            <a:pPr marL="0" indent="0">
-              <a:buNone/>
-            </a:pPr>
-            <a:endParaRPr lang="en-US" altLang="ko-KR" sz="2000" dirty="0" smtClean="0"/>
-          </a:p>
-          <a:p>
-            <a:pPr marL="0" indent="0">
-              <a:buNone/>
-            </a:pPr>
-            <a:r>
-              <a:rPr lang="en-US" altLang="ko-KR" sz="2000" dirty="0" smtClean="0"/>
-              <a:t>Source = java/com/</a:t>
-            </a:r>
-            <a:r>
-              <a:rPr lang="en-US" altLang="ko-KR" sz="2000" dirty="0" err="1" smtClean="0"/>
-              <a:t>touchizen</a:t>
-            </a:r>
-            <a:r>
-              <a:rPr lang="en-US" altLang="ko-KR" sz="2000" dirty="0" smtClean="0"/>
-              <a:t>/</a:t>
-            </a:r>
-            <a:r>
-              <a:rPr lang="en-US" altLang="ko-KR" sz="2000" dirty="0" err="1" smtClean="0"/>
-              <a:t>mysers</a:t>
-            </a:r>
-            <a:r>
-              <a:rPr lang="en-US" altLang="ko-KR" sz="2000" dirty="0" smtClean="0"/>
-              <a:t>/RecyclerUserAdapter.java</a:t>
-            </a:r>
-            <a:endParaRPr lang="ko-KR" altLang="en-US" sz="2000" dirty="0"/>
-          </a:p>
-        </p:txBody>
-      </p:sp>
-    </p:spTree>
-    <p:extLst>
-      <p:ext uri="{BB962C8B-B14F-4D97-AF65-F5344CB8AC3E}">
-        <p14:creationId xmlns:p14="http://schemas.microsoft.com/office/powerpoint/2010/main" val="1879532950"/>
-      </p:ext>
-    </p:extLst>
-  </p:cSld>
-  <p:clrMapOvr>
-    <a:masterClrMapping/>
-  </p:clrMapOvr>
+  <p:timing>
+    <p:tnLst>
+      <p:par>
+        <p:cTn id="1" dur="indefinite" restart="never" nodeType="tmRoot"/>
+      </p:par>
+    </p:tnLst>
+  </p:timing>
 </p:sld>
 </file>
 
@@ -11797,6 +11866,306 @@
         </p:nvSpPr>
         <p:spPr/>
         <p:txBody>
+          <a:bodyPr>
+            <a:normAutofit/>
+          </a:bodyPr>
+          <a:lstStyle/>
+          <a:p>
+            <a:r>
+              <a:rPr lang="en-US" altLang="ko-KR" b="1" dirty="0" smtClean="0"/>
+              <a:t>5.</a:t>
+            </a:r>
+            <a:r>
+              <a:rPr lang="ko-KR" altLang="en-US" b="1" dirty="0" smtClean="0"/>
+              <a:t>어댑터 </a:t>
+            </a:r>
+            <a:r>
+              <a:rPr lang="ko-KR" altLang="en-US" b="1" dirty="0"/>
+              <a:t>상속 및 구현</a:t>
+            </a:r>
+            <a:r>
+              <a:rPr lang="en-US" altLang="ko-KR" b="1" dirty="0" smtClean="0"/>
+              <a:t>.</a:t>
+            </a:r>
+            <a:endParaRPr lang="ko-KR" altLang="en-US" dirty="0"/>
+          </a:p>
+        </p:txBody>
+      </p:sp>
+      <p:sp>
+        <p:nvSpPr>
+          <p:cNvPr id="3" name="내용 개체 틀 2"/>
+          <p:cNvSpPr>
+            <a:spLocks noGrp="1"/>
+          </p:cNvSpPr>
+          <p:nvPr>
+            <p:ph idx="1"/>
+          </p:nvPr>
+        </p:nvSpPr>
+        <p:spPr/>
+        <p:txBody>
+          <a:bodyPr/>
+          <a:lstStyle/>
+          <a:p>
+            <a:r>
+              <a:rPr lang="en-US" altLang="ko-KR" sz="2000" b="1" dirty="0" smtClean="0"/>
+              <a:t>Adapter</a:t>
+            </a:r>
+            <a:r>
+              <a:rPr lang="ko-KR" altLang="en-US" sz="2000" b="1" dirty="0" smtClean="0"/>
+              <a:t>란</a:t>
+            </a:r>
+            <a:r>
+              <a:rPr lang="en-US" altLang="ko-KR" sz="2000" b="1" dirty="0" smtClean="0"/>
+              <a:t>? </a:t>
+            </a:r>
+            <a:r>
+              <a:rPr lang="en-US" altLang="ko-KR" sz="2000" dirty="0" err="1" smtClean="0"/>
+              <a:t>ListView</a:t>
+            </a:r>
+            <a:r>
+              <a:rPr lang="en-US" altLang="ko-KR" sz="2000" dirty="0" smtClean="0"/>
+              <a:t> </a:t>
+            </a:r>
+            <a:r>
+              <a:rPr lang="en-US" altLang="ko-KR" sz="2000" dirty="0"/>
+              <a:t>(</a:t>
+            </a:r>
+            <a:r>
+              <a:rPr lang="ko-KR" altLang="en-US" sz="2000" dirty="0"/>
+              <a:t>또는 다른 형태의 </a:t>
+            </a:r>
+            <a:r>
+              <a:rPr lang="en-US" altLang="ko-KR" sz="2000" dirty="0" err="1"/>
+              <a:t>ViewGroup</a:t>
+            </a:r>
+            <a:r>
+              <a:rPr lang="en-US" altLang="ko-KR" sz="2000" dirty="0"/>
+              <a:t>) </a:t>
+            </a:r>
+            <a:r>
+              <a:rPr lang="ko-KR" altLang="en-US" sz="2000" dirty="0"/>
+              <a:t>와 실제 데이터</a:t>
+            </a:r>
+            <a:r>
+              <a:rPr lang="en-US" altLang="ko-KR" sz="2000" dirty="0"/>
+              <a:t>(List, Array </a:t>
+            </a:r>
+            <a:r>
+              <a:rPr lang="ko-KR" altLang="en-US" sz="2000" dirty="0"/>
+              <a:t>등</a:t>
+            </a:r>
+            <a:r>
+              <a:rPr lang="en-US" altLang="ko-KR" sz="2000" dirty="0"/>
+              <a:t>)</a:t>
+            </a:r>
+            <a:r>
+              <a:rPr lang="ko-KR" altLang="en-US" sz="2000" dirty="0"/>
+              <a:t>의 중간 역할을 하는 추상 </a:t>
+            </a:r>
+            <a:r>
+              <a:rPr lang="ko-KR" altLang="en-US" sz="2000" dirty="0" smtClean="0"/>
+              <a:t>인터페이스</a:t>
+            </a:r>
+            <a:endParaRPr lang="en-US" altLang="ko-KR" sz="2000" dirty="0" smtClean="0"/>
+          </a:p>
+          <a:p>
+            <a:endParaRPr lang="en-US" altLang="ko-KR" sz="2000" b="1" dirty="0"/>
+          </a:p>
+          <a:p>
+            <a:r>
+              <a:rPr lang="ko-KR" altLang="en-US" sz="2000" b="1" dirty="0" smtClean="0"/>
+              <a:t>주요 </a:t>
+            </a:r>
+            <a:r>
+              <a:rPr lang="ko-KR" altLang="en-US" sz="2000" b="1" dirty="0" err="1" smtClean="0"/>
+              <a:t>메소드</a:t>
+            </a:r>
+            <a:r>
+              <a:rPr lang="ko-KR" altLang="en-US" sz="2000" b="1" dirty="0" smtClean="0"/>
+              <a:t> 구현</a:t>
+            </a:r>
+            <a:endParaRPr lang="en-US" altLang="ko-KR" sz="2000" b="1" dirty="0" smtClean="0"/>
+          </a:p>
+          <a:p>
+            <a:pPr lvl="1"/>
+            <a:r>
+              <a:rPr lang="en-US" altLang="ko-KR" sz="1600" b="1" dirty="0" err="1" smtClean="0"/>
+              <a:t>onCreateViewHolder</a:t>
+            </a:r>
+            <a:r>
+              <a:rPr lang="en-US" altLang="ko-KR" sz="1600" b="1" dirty="0"/>
+              <a:t>() </a:t>
+            </a:r>
+            <a:r>
+              <a:rPr lang="en-US" altLang="ko-KR" sz="1600" dirty="0"/>
+              <a:t>: </a:t>
+            </a:r>
+            <a:r>
+              <a:rPr lang="ko-KR" altLang="en-US" sz="1600" dirty="0" err="1"/>
+              <a:t>뷰홀더</a:t>
+            </a:r>
+            <a:r>
+              <a:rPr lang="ko-KR" altLang="en-US" sz="1600" dirty="0"/>
+              <a:t> 객체 생성</a:t>
+            </a:r>
+            <a:r>
+              <a:rPr lang="en-US" altLang="ko-KR" sz="1600" dirty="0"/>
+              <a:t>.</a:t>
+            </a:r>
+          </a:p>
+          <a:p>
+            <a:pPr lvl="1"/>
+            <a:r>
+              <a:rPr lang="en-US" altLang="ko-KR" sz="1600" b="1" dirty="0" err="1"/>
+              <a:t>onBindViewHolder</a:t>
+            </a:r>
+            <a:r>
+              <a:rPr lang="en-US" altLang="ko-KR" sz="1600" b="1" dirty="0"/>
+              <a:t>()</a:t>
+            </a:r>
+            <a:r>
+              <a:rPr lang="ko-KR" altLang="en-US" sz="1600" dirty="0"/>
+              <a:t> </a:t>
+            </a:r>
+            <a:r>
+              <a:rPr lang="en-US" altLang="ko-KR" sz="1600" dirty="0"/>
+              <a:t>: </a:t>
+            </a:r>
+            <a:r>
+              <a:rPr lang="ko-KR" altLang="en-US" sz="1600" dirty="0"/>
+              <a:t>데이터를 </a:t>
+            </a:r>
+            <a:r>
+              <a:rPr lang="ko-KR" altLang="en-US" sz="1600" dirty="0" err="1"/>
+              <a:t>뷰홀더에</a:t>
+            </a:r>
+            <a:r>
+              <a:rPr lang="ko-KR" altLang="en-US" sz="1600" dirty="0"/>
+              <a:t> 바인딩</a:t>
+            </a:r>
+            <a:r>
+              <a:rPr lang="en-US" altLang="ko-KR" sz="1600" dirty="0"/>
+              <a:t>.</a:t>
+            </a:r>
+          </a:p>
+          <a:p>
+            <a:pPr lvl="1"/>
+            <a:r>
+              <a:rPr lang="en-US" altLang="ko-KR" sz="1600" b="1" dirty="0" err="1"/>
+              <a:t>getItemCount</a:t>
+            </a:r>
+            <a:r>
+              <a:rPr lang="en-US" altLang="ko-KR" sz="1600" b="1" dirty="0"/>
+              <a:t>()</a:t>
+            </a:r>
+            <a:r>
+              <a:rPr lang="ko-KR" altLang="en-US" sz="1600" dirty="0"/>
+              <a:t> </a:t>
+            </a:r>
+            <a:r>
+              <a:rPr lang="en-US" altLang="ko-KR" sz="1600" dirty="0"/>
+              <a:t>: </a:t>
+            </a:r>
+            <a:r>
+              <a:rPr lang="ko-KR" altLang="en-US" sz="1600" dirty="0"/>
+              <a:t>전체 아이템 </a:t>
+            </a:r>
+            <a:r>
+              <a:rPr lang="ko-KR" altLang="en-US" sz="1600" dirty="0" err="1"/>
+              <a:t>갯수</a:t>
+            </a:r>
+            <a:r>
+              <a:rPr lang="ko-KR" altLang="en-US" sz="1600" dirty="0"/>
+              <a:t> 리턴</a:t>
+            </a:r>
+            <a:r>
+              <a:rPr lang="en-US" altLang="ko-KR" sz="1600" dirty="0"/>
+              <a:t>.</a:t>
+            </a:r>
+          </a:p>
+          <a:p>
+            <a:pPr marL="0" indent="0">
+              <a:buNone/>
+            </a:pPr>
+            <a:endParaRPr lang="en-US" altLang="ko-KR" sz="2000" dirty="0" smtClean="0"/>
+          </a:p>
+          <a:p>
+            <a:pPr marL="0" indent="0">
+              <a:buNone/>
+            </a:pPr>
+            <a:r>
+              <a:rPr lang="en-US" altLang="ko-KR" sz="2000" dirty="0" smtClean="0"/>
+              <a:t>Source = java/com/</a:t>
+            </a:r>
+            <a:r>
+              <a:rPr lang="en-US" altLang="ko-KR" sz="2000" dirty="0" err="1" smtClean="0"/>
+              <a:t>touchizen</a:t>
+            </a:r>
+            <a:r>
+              <a:rPr lang="en-US" altLang="ko-KR" sz="2000" dirty="0" smtClean="0"/>
+              <a:t>/</a:t>
+            </a:r>
+            <a:r>
+              <a:rPr lang="en-US" altLang="ko-KR" sz="2000" dirty="0" err="1" smtClean="0"/>
+              <a:t>mysers</a:t>
+            </a:r>
+            <a:r>
+              <a:rPr lang="en-US" altLang="ko-KR" sz="2000" dirty="0" smtClean="0"/>
+              <a:t>/RecyclerUserAdapter.java</a:t>
+            </a:r>
+            <a:endParaRPr lang="ko-KR" altLang="en-US" sz="2000" dirty="0"/>
+          </a:p>
+        </p:txBody>
+      </p:sp>
+    </p:spTree>
+    <p:extLst>
+      <p:ext uri="{BB962C8B-B14F-4D97-AF65-F5344CB8AC3E}">
+        <p14:creationId xmlns:p14="http://schemas.microsoft.com/office/powerpoint/2010/main" val="1879532950"/>
+      </p:ext>
+    </p:extLst>
+  </p:cSld>
+  <p:clrMapOvr>
+    <a:masterClrMapping/>
+  </p:clrMapOvr>
+  <p:timing>
+    <p:tnLst>
+      <p:par>
+        <p:cTn id="1" dur="indefinite" restart="never" nodeType="tmRoot"/>
+      </p:par>
+    </p:tnLst>
+  </p:timing>
+</p:sld>
+</file>
+
+<file path=ppt/slides/slide31.xml><?xml version="1.0" encoding="utf-8"?>
+<p:sld xmlns:a="http://schemas.openxmlformats.org/drawingml/2006/main" xmlns:r="http://schemas.openxmlformats.org/officeDocument/2006/relationships" xmlns:p="http://schemas.openxmlformats.org/presentationml/2006/main">
+  <p:cSld>
+    <p:spTree>
+      <p:nvGrpSpPr>
+        <p:cNvPr id="1" name=""/>
+        <p:cNvGrpSpPr/>
+        <p:nvPr/>
+      </p:nvGrpSpPr>
+      <p:grpSpPr>
+        <a:xfrm>
+          <a:off x="0" y="0"/>
+          <a:ext cx="0" cy="0"/>
+          <a:chOff x="0" y="0"/>
+          <a:chExt cx="0" cy="0"/>
+        </a:xfrm>
+      </p:grpSpPr>
+      <p:sp>
+        <p:nvSpPr>
+          <p:cNvPr id="2" name="제목 1"/>
+          <p:cNvSpPr>
+            <a:spLocks noGrp="1"/>
+          </p:cNvSpPr>
+          <p:nvPr>
+            <p:ph type="title"/>
+          </p:nvPr>
+        </p:nvSpPr>
+        <p:spPr/>
+        <p:txBody>
           <a:bodyPr/>
           <a:lstStyle/>
           <a:p>
@@ -12930,18 +13299,7 @@
                   </a:schemeClr>
                 </a:solidFill>
               </a:rPr>
-              <a:t>    </a:t>
-            </a:r>
-            <a:r>
-              <a:rPr lang="en-US" altLang="ko-KR" sz="1000" dirty="0">
-                <a:solidFill>
-                  <a:schemeClr val="tx1">
-                    <a:lumMod val="95000"/>
-                    <a:lumOff val="5000"/>
-                  </a:schemeClr>
-                </a:solidFill>
-              </a:rPr>
-              <a:t>@Override</a:t>
+              <a:t>    @Override</a:t>
             </a:r>
             <a:br>
               <a:rPr lang="en-US" altLang="ko-KR" sz="1000" dirty="0">
@@ -13332,10 +13690,17 @@
   <p:clrMapOvr>
     <a:masterClrMapping/>
   </p:clrMapOvr>
+  <p:timing>
+    <p:tnLst>
+      <p:par>
+        <p:cTn id="1" dur="indefinite" restart="never" nodeType="tmRoot"/>
+      </p:par>
+    </p:tnLst>
+  </p:timing>
 </p:sld>
 </file>
 
-<file path=ppt/slides/slide31.xml><?xml version="1.0" encoding="utf-8"?>
+<file path=ppt/slides/slide32.xml><?xml version="1.0" encoding="utf-8"?>
 <p:sld xmlns:a="http://schemas.openxmlformats.org/drawingml/2006/main" xmlns:r="http://schemas.openxmlformats.org/officeDocument/2006/relationships" xmlns:p="http://schemas.openxmlformats.org/presentationml/2006/main">
   <p:cSld>
     <p:spTree>
@@ -14584,10 +14949,17 @@
   <p:clrMapOvr>
     <a:masterClrMapping/>
   </p:clrMapOvr>
+  <p:timing>
+    <p:tnLst>
+      <p:par>
+        <p:cTn id="1" dur="indefinite" restart="never" nodeType="tmRoot"/>
+      </p:par>
+    </p:tnLst>
+  </p:timing>
 </p:sld>
 </file>
 
-<file path=ppt/slides/slide32.xml><?xml version="1.0" encoding="utf-8"?>
+<file path=ppt/slides/slide33.xml><?xml version="1.0" encoding="utf-8"?>
 <p:sld xmlns:a="http://schemas.openxmlformats.org/drawingml/2006/main" xmlns:r="http://schemas.openxmlformats.org/officeDocument/2006/relationships" xmlns:p="http://schemas.openxmlformats.org/presentationml/2006/main">
   <p:cSld>
     <p:spTree>
@@ -15746,127 +16118,13 @@
   <p:clrMapOvr>
     <a:masterClrMapping/>
   </p:clrMapOvr>
-</p:sld>
-</file>
-
-<file path=ppt/slides/slide33.xml><?xml version="1.0" encoding="utf-8"?>
-<p:sld xmlns:a="http://schemas.openxmlformats.org/drawingml/2006/main" xmlns:r="http://schemas.openxmlformats.org/officeDocument/2006/relationships" xmlns:p="http://schemas.openxmlformats.org/presentationml/2006/main">
-  <p:cSld>
-    <p:spTree>
-      <p:nvGrpSpPr>
-        <p:cNvPr id="1" name=""/>
-        <p:cNvGrpSpPr/>
-        <p:nvPr/>
-      </p:nvGrpSpPr>
-      <p:grpSpPr>
-        <a:xfrm>
-          <a:off x="0" y="0"/>
-          <a:ext cx="0" cy="0"/>
-          <a:chOff x="0" y="0"/>
-          <a:chExt cx="0" cy="0"/>
-        </a:xfrm>
-      </p:grpSpPr>
-      <p:sp>
-        <p:nvSpPr>
-          <p:cNvPr id="2" name="제목 1"/>
-          <p:cNvSpPr>
-            <a:spLocks noGrp="1"/>
-          </p:cNvSpPr>
-          <p:nvPr>
-            <p:ph type="title"/>
-          </p:nvPr>
-        </p:nvSpPr>
-        <p:spPr/>
-        <p:txBody>
-          <a:bodyPr/>
-          <a:lstStyle/>
-          <a:p>
-            <a:r>
-              <a:rPr lang="en-US" altLang="ko-KR" dirty="0" smtClean="0"/>
-              <a:t>Activity</a:t>
-            </a:r>
-            <a:r>
-              <a:rPr lang="ko-KR" altLang="en-US" dirty="0" smtClean="0"/>
-              <a:t>객체 통신</a:t>
-            </a:r>
-            <a:endParaRPr lang="ko-KR" altLang="en-US" dirty="0"/>
-          </a:p>
-        </p:txBody>
-      </p:sp>
-      <p:sp>
-        <p:nvSpPr>
-          <p:cNvPr id="3" name="내용 개체 틀 2"/>
-          <p:cNvSpPr>
-            <a:spLocks noGrp="1"/>
-          </p:cNvSpPr>
-          <p:nvPr>
-            <p:ph idx="1"/>
-          </p:nvPr>
-        </p:nvSpPr>
-        <p:spPr/>
-        <p:txBody>
-          <a:bodyPr/>
-          <a:lstStyle/>
-          <a:p>
-            <a:r>
-              <a:rPr lang="en-US" altLang="ko-KR" dirty="0" err="1" smtClean="0"/>
-              <a:t>Intent.putExtra</a:t>
-            </a:r>
-            <a:r>
-              <a:rPr lang="en-US" altLang="ko-KR" dirty="0" smtClean="0"/>
-              <a:t>() : </a:t>
-            </a:r>
-            <a:r>
-              <a:rPr lang="ko-KR" altLang="en-US" dirty="0" smtClean="0"/>
-              <a:t>전송</a:t>
-            </a:r>
-            <a:endParaRPr lang="en-US" altLang="ko-KR" dirty="0" smtClean="0"/>
-          </a:p>
-          <a:p>
-            <a:r>
-              <a:rPr lang="en-US" altLang="ko-KR" dirty="0" err="1" smtClean="0"/>
-              <a:t>Intent.getExtra</a:t>
-            </a:r>
-            <a:r>
-              <a:rPr lang="en-US" altLang="ko-KR" dirty="0" smtClean="0"/>
-              <a:t>() : </a:t>
-            </a:r>
-            <a:r>
-              <a:rPr lang="ko-KR" altLang="en-US" dirty="0" smtClean="0"/>
-              <a:t>수신</a:t>
-            </a:r>
-            <a:endParaRPr lang="en-US" altLang="ko-KR" dirty="0" smtClean="0"/>
-          </a:p>
-          <a:p>
-            <a:endParaRPr lang="en-US" altLang="ko-KR" dirty="0"/>
-          </a:p>
-          <a:p>
-            <a:r>
-              <a:rPr lang="en-US" altLang="ko-KR" dirty="0" smtClean="0"/>
-              <a:t>Serialize : </a:t>
-            </a:r>
-            <a:r>
-              <a:rPr lang="ko-KR" altLang="en-US" dirty="0" smtClean="0"/>
-              <a:t>객체 직렬화</a:t>
-            </a:r>
-            <a:r>
-              <a:rPr lang="en-US" altLang="ko-KR" dirty="0" smtClean="0"/>
-              <a:t>, </a:t>
-            </a:r>
-            <a:endParaRPr lang="ko-KR" altLang="en-US" dirty="0"/>
-          </a:p>
-        </p:txBody>
-      </p:sp>
-    </p:spTree>
-    <p:extLst>
-      <p:ext uri="{BB962C8B-B14F-4D97-AF65-F5344CB8AC3E}">
-        <p14:creationId xmlns:p14="http://schemas.microsoft.com/office/powerpoint/2010/main" val="544772429"/>
-      </p:ext>
-    </p:extLst>
-  </p:cSld>
-  <p:clrMapOvr>
-    <a:masterClrMapping/>
-  </p:clrMapOvr>
+  <p:timing>
+    <p:tnLst>
+      <p:par>
+        <p:cTn id="1" dur="indefinite" restart="never" nodeType="tmRoot"/>
+      </p:par>
+    </p:tnLst>
+  </p:timing>
 </p:sld>
 </file>
 
@@ -15903,6 +16161,134 @@
           <a:lstStyle/>
           <a:p>
             <a:r>
+              <a:rPr lang="en-US" altLang="ko-KR" dirty="0" smtClean="0"/>
+              <a:t>Activity</a:t>
+            </a:r>
+            <a:r>
+              <a:rPr lang="ko-KR" altLang="en-US" dirty="0" smtClean="0"/>
+              <a:t>객체 통신</a:t>
+            </a:r>
+            <a:endParaRPr lang="ko-KR" altLang="en-US" dirty="0"/>
+          </a:p>
+        </p:txBody>
+      </p:sp>
+      <p:sp>
+        <p:nvSpPr>
+          <p:cNvPr id="3" name="내용 개체 틀 2"/>
+          <p:cNvSpPr>
+            <a:spLocks noGrp="1"/>
+          </p:cNvSpPr>
+          <p:nvPr>
+            <p:ph idx="1"/>
+          </p:nvPr>
+        </p:nvSpPr>
+        <p:spPr/>
+        <p:txBody>
+          <a:bodyPr/>
+          <a:lstStyle/>
+          <a:p>
+            <a:r>
+              <a:rPr lang="en-US" altLang="ko-KR" dirty="0" err="1" smtClean="0"/>
+              <a:t>Intent.putExtra</a:t>
+            </a:r>
+            <a:r>
+              <a:rPr lang="en-US" altLang="ko-KR" dirty="0" smtClean="0"/>
+              <a:t>() : </a:t>
+            </a:r>
+            <a:r>
+              <a:rPr lang="ko-KR" altLang="en-US" dirty="0" smtClean="0"/>
+              <a:t>전송</a:t>
+            </a:r>
+            <a:endParaRPr lang="en-US" altLang="ko-KR" dirty="0" smtClean="0"/>
+          </a:p>
+          <a:p>
+            <a:r>
+              <a:rPr lang="en-US" altLang="ko-KR" dirty="0" err="1" smtClean="0"/>
+              <a:t>Intent.getExtra</a:t>
+            </a:r>
+            <a:r>
+              <a:rPr lang="en-US" altLang="ko-KR" dirty="0" smtClean="0"/>
+              <a:t>() : </a:t>
+            </a:r>
+            <a:r>
+              <a:rPr lang="ko-KR" altLang="en-US" dirty="0" smtClean="0"/>
+              <a:t>수신</a:t>
+            </a:r>
+            <a:endParaRPr lang="en-US" altLang="ko-KR" dirty="0" smtClean="0"/>
+          </a:p>
+          <a:p>
+            <a:endParaRPr lang="en-US" altLang="ko-KR" dirty="0"/>
+          </a:p>
+          <a:p>
+            <a:r>
+              <a:rPr lang="en-US" altLang="ko-KR" dirty="0" smtClean="0"/>
+              <a:t>Serialize : </a:t>
+            </a:r>
+            <a:r>
+              <a:rPr lang="ko-KR" altLang="en-US" dirty="0" smtClean="0"/>
+              <a:t>객체 직렬화</a:t>
+            </a:r>
+            <a:r>
+              <a:rPr lang="en-US" altLang="ko-KR" dirty="0" smtClean="0"/>
+              <a:t>, </a:t>
+            </a:r>
+            <a:endParaRPr lang="ko-KR" altLang="en-US" dirty="0"/>
+          </a:p>
+        </p:txBody>
+      </p:sp>
+    </p:spTree>
+    <p:extLst>
+      <p:ext uri="{BB962C8B-B14F-4D97-AF65-F5344CB8AC3E}">
+        <p14:creationId xmlns:p14="http://schemas.microsoft.com/office/powerpoint/2010/main" val="544772429"/>
+      </p:ext>
+    </p:extLst>
+  </p:cSld>
+  <p:clrMapOvr>
+    <a:masterClrMapping/>
+  </p:clrMapOvr>
+  <p:timing>
+    <p:tnLst>
+      <p:par>
+        <p:cTn id="1" dur="indefinite" restart="never" nodeType="tmRoot"/>
+      </p:par>
+    </p:tnLst>
+  </p:timing>
+</p:sld>
+</file>
+
+<file path=ppt/slides/slide35.xml><?xml version="1.0" encoding="utf-8"?>
+<p:sld xmlns:a="http://schemas.openxmlformats.org/drawingml/2006/main" xmlns:r="http://schemas.openxmlformats.org/officeDocument/2006/relationships" xmlns:p="http://schemas.openxmlformats.org/presentationml/2006/main">
+  <p:cSld>
+    <p:spTree>
+      <p:nvGrpSpPr>
+        <p:cNvPr id="1" name=""/>
+        <p:cNvGrpSpPr/>
+        <p:nvPr/>
+      </p:nvGrpSpPr>
+      <p:grpSpPr>
+        <a:xfrm>
+          <a:off x="0" y="0"/>
+          <a:ext cx="0" cy="0"/>
+          <a:chOff x="0" y="0"/>
+          <a:chExt cx="0" cy="0"/>
+        </a:xfrm>
+      </p:grpSpPr>
+      <p:sp>
+        <p:nvSpPr>
+          <p:cNvPr id="2" name="제목 1"/>
+          <p:cNvSpPr>
+            <a:spLocks noGrp="1"/>
+          </p:cNvSpPr>
+          <p:nvPr>
+            <p:ph type="title"/>
+          </p:nvPr>
+        </p:nvSpPr>
+        <p:spPr/>
+        <p:txBody>
+          <a:bodyPr/>
+          <a:lstStyle/>
+          <a:p>
+            <a:r>
               <a:rPr lang="ko-KR" altLang="en-US" dirty="0" smtClean="0"/>
               <a:t>서버와의 데이터 송수신</a:t>
             </a:r>
@@ -16042,7 +16428,7 @@
 </p:sld>
 </file>
 
-<file path=ppt/slides/slide35.xml><?xml version="1.0" encoding="utf-8"?>
+<file path=ppt/slides/slide36.xml><?xml version="1.0" encoding="utf-8"?>
 <p:sld xmlns:a="http://schemas.openxmlformats.org/drawingml/2006/main" xmlns:r="http://schemas.openxmlformats.org/officeDocument/2006/relationships" xmlns:p="http://schemas.openxmlformats.org/presentationml/2006/main">
   <p:cSld>
     <p:spTree>
@@ -16306,7 +16692,7 @@
 </p:sld>
 </file>
 
-<file path=ppt/slides/slide36.xml><?xml version="1.0" encoding="utf-8"?>
+<file path=ppt/slides/slide37.xml><?xml version="1.0" encoding="utf-8"?>
 <p:sld xmlns:a="http://schemas.openxmlformats.org/drawingml/2006/main" xmlns:r="http://schemas.openxmlformats.org/officeDocument/2006/relationships" xmlns:p="http://schemas.openxmlformats.org/presentationml/2006/main">
   <p:cSld>
     <p:spTree>
@@ -16458,7 +16844,7 @@
 </p:sld>
 </file>
 
-<file path=ppt/slides/slide37.xml><?xml version="1.0" encoding="utf-8"?>
+<file path=ppt/slides/slide38.xml><?xml version="1.0" encoding="utf-8"?>
 <p:sld xmlns:a="http://schemas.openxmlformats.org/drawingml/2006/main" xmlns:r="http://schemas.openxmlformats.org/officeDocument/2006/relationships" xmlns:p="http://schemas.openxmlformats.org/presentationml/2006/main">
   <p:cSld>
     <p:spTree>
@@ -16634,7 +17020,7 @@
 </p:sld>
 </file>
 
-<file path=ppt/slides/slide38.xml><?xml version="1.0" encoding="utf-8"?>
+<file path=ppt/slides/slide39.xml><?xml version="1.0" encoding="utf-8"?>
 <p:sld xmlns:a="http://schemas.openxmlformats.org/drawingml/2006/main" xmlns:r="http://schemas.openxmlformats.org/officeDocument/2006/relationships" xmlns:p="http://schemas.openxmlformats.org/presentationml/2006/main">
   <p:cSld>
     <p:spTree>
@@ -17229,135 +17615,6 @@
     <p:extLst>
       <p:ext uri="{BB962C8B-B14F-4D97-AF65-F5344CB8AC3E}">
         <p14:creationId xmlns:p14="http://schemas.microsoft.com/office/powerpoint/2010/main" val="2595236612"/>
-      </p:ext>
-    </p:extLst>
-  </p:cSld>
-  <p:clrMapOvr>
-    <a:masterClrMapping/>
-  </p:clrMapOvr>
-</p:sld>
-</file>
-
-<file path=ppt/slides/slide39.xml><?xml version="1.0" encoding="utf-8"?>
-<p:sld xmlns:a="http://schemas.openxmlformats.org/drawingml/2006/main" xmlns:r="http://schemas.openxmlformats.org/officeDocument/2006/relationships" xmlns:p="http://schemas.openxmlformats.org/presentationml/2006/main">
-  <p:cSld>
-    <p:spTree>
-      <p:nvGrpSpPr>
-        <p:cNvPr id="1" name=""/>
-        <p:cNvGrpSpPr/>
-        <p:nvPr/>
-      </p:nvGrpSpPr>
-      <p:grpSpPr>
-        <a:xfrm>
-          <a:off x="0" y="0"/>
-          <a:ext cx="0" cy="0"/>
-          <a:chOff x="0" y="0"/>
-          <a:chExt cx="0" cy="0"/>
-        </a:xfrm>
-      </p:grpSpPr>
-      <p:sp>
-        <p:nvSpPr>
-          <p:cNvPr id="2" name="제목 1"/>
-          <p:cNvSpPr>
-            <a:spLocks noGrp="1"/>
-          </p:cNvSpPr>
-          <p:nvPr>
-            <p:ph type="title"/>
-          </p:nvPr>
-        </p:nvSpPr>
-        <p:spPr/>
-        <p:txBody>
-          <a:bodyPr/>
-          <a:lstStyle/>
-          <a:p>
-            <a:r>
-              <a:rPr lang="en-US" altLang="ko-KR" dirty="0" smtClean="0"/>
-              <a:t>Q &amp; A</a:t>
-            </a:r>
-            <a:endParaRPr lang="ko-KR" altLang="en-US" dirty="0"/>
-          </a:p>
-        </p:txBody>
-      </p:sp>
-      <p:sp>
-        <p:nvSpPr>
-          <p:cNvPr id="3" name="내용 개체 틀 2"/>
-          <p:cNvSpPr>
-            <a:spLocks noGrp="1"/>
-          </p:cNvSpPr>
-          <p:nvPr>
-            <p:ph idx="1"/>
-          </p:nvPr>
-        </p:nvSpPr>
-        <p:spPr/>
-        <p:txBody>
-          <a:bodyPr/>
-          <a:lstStyle/>
-          <a:p>
-            <a:r>
-              <a:rPr lang="ko-KR" altLang="en-US" dirty="0" smtClean="0"/>
-              <a:t>숙제</a:t>
-            </a:r>
-            <a:endParaRPr lang="en-US" altLang="ko-KR" dirty="0"/>
-          </a:p>
-          <a:p>
-            <a:pPr lvl="1"/>
-            <a:r>
-              <a:rPr lang="en-US" altLang="ko-KR" dirty="0" smtClean="0"/>
-              <a:t> </a:t>
-            </a:r>
-            <a:r>
-              <a:rPr lang="ko-KR" altLang="en-US" dirty="0" smtClean="0"/>
-              <a:t>각자 </a:t>
-            </a:r>
-            <a:r>
-              <a:rPr lang="ko-KR" altLang="en-US" dirty="0" err="1" smtClean="0"/>
-              <a:t>앱</a:t>
-            </a:r>
-            <a:r>
-              <a:rPr lang="ko-KR" altLang="en-US" dirty="0" smtClean="0"/>
-              <a:t> </a:t>
-            </a:r>
-            <a:r>
-              <a:rPr lang="ko-KR" altLang="en-US" dirty="0" err="1" smtClean="0"/>
-              <a:t>개발후</a:t>
-            </a:r>
-            <a:r>
-              <a:rPr lang="ko-KR" altLang="en-US" dirty="0" smtClean="0"/>
-              <a:t> </a:t>
-            </a:r>
-            <a:r>
-              <a:rPr lang="en-US" altLang="ko-KR" dirty="0" smtClean="0"/>
-              <a:t>1</a:t>
-            </a:r>
-            <a:r>
-              <a:rPr lang="ko-KR" altLang="en-US" dirty="0" err="1" smtClean="0"/>
-              <a:t>년내</a:t>
-            </a:r>
-            <a:r>
-              <a:rPr lang="ko-KR" altLang="en-US" dirty="0" smtClean="0"/>
-              <a:t> </a:t>
-            </a:r>
-            <a:r>
-              <a:rPr lang="ko-KR" altLang="en-US" dirty="0" err="1" smtClean="0"/>
-              <a:t>런칭</a:t>
-            </a:r>
-            <a:r>
-              <a:rPr lang="en-US" altLang="ko-KR" dirty="0" smtClean="0"/>
-              <a:t>.</a:t>
-            </a:r>
-          </a:p>
-          <a:p>
-            <a:pPr marL="457200" lvl="1" indent="0">
-              <a:buNone/>
-            </a:pPr>
-            <a:endParaRPr lang="en-US" altLang="ko-KR" dirty="0"/>
-          </a:p>
-        </p:txBody>
-      </p:sp>
-    </p:spTree>
-    <p:extLst>
-      <p:ext uri="{BB962C8B-B14F-4D97-AF65-F5344CB8AC3E}">
-        <p14:creationId xmlns:p14="http://schemas.microsoft.com/office/powerpoint/2010/main" val="1590062541"/>
       </p:ext>
     </p:extLst>
   </p:cSld>
@@ -17544,6 +17801,135 @@
     <p:extLst>
       <p:ext uri="{BB962C8B-B14F-4D97-AF65-F5344CB8AC3E}">
         <p14:creationId xmlns:p14="http://schemas.microsoft.com/office/powerpoint/2010/main" val="366420637"/>
+      </p:ext>
+    </p:extLst>
+  </p:cSld>
+  <p:clrMapOvr>
+    <a:masterClrMapping/>
+  </p:clrMapOvr>
+</p:sld>
+</file>
+
+<file path=ppt/slides/slide40.xml><?xml version="1.0" encoding="utf-8"?>
+<p:sld xmlns:a="http://schemas.openxmlformats.org/drawingml/2006/main" xmlns:r="http://schemas.openxmlformats.org/officeDocument/2006/relationships" xmlns:p="http://schemas.openxmlformats.org/presentationml/2006/main">
+  <p:cSld>
+    <p:spTree>
+      <p:nvGrpSpPr>
+        <p:cNvPr id="1" name=""/>
+        <p:cNvGrpSpPr/>
+        <p:nvPr/>
+      </p:nvGrpSpPr>
+      <p:grpSpPr>
+        <a:xfrm>
+          <a:off x="0" y="0"/>
+          <a:ext cx="0" cy="0"/>
+          <a:chOff x="0" y="0"/>
+          <a:chExt cx="0" cy="0"/>
+        </a:xfrm>
+      </p:grpSpPr>
+      <p:sp>
+        <p:nvSpPr>
+          <p:cNvPr id="2" name="제목 1"/>
+          <p:cNvSpPr>
+            <a:spLocks noGrp="1"/>
+          </p:cNvSpPr>
+          <p:nvPr>
+            <p:ph type="title"/>
+          </p:nvPr>
+        </p:nvSpPr>
+        <p:spPr/>
+        <p:txBody>
+          <a:bodyPr/>
+          <a:lstStyle/>
+          <a:p>
+            <a:r>
+              <a:rPr lang="en-US" altLang="ko-KR" dirty="0" smtClean="0"/>
+              <a:t>Q &amp; A</a:t>
+            </a:r>
+            <a:endParaRPr lang="ko-KR" altLang="en-US" dirty="0"/>
+          </a:p>
+        </p:txBody>
+      </p:sp>
+      <p:sp>
+        <p:nvSpPr>
+          <p:cNvPr id="3" name="내용 개체 틀 2"/>
+          <p:cNvSpPr>
+            <a:spLocks noGrp="1"/>
+          </p:cNvSpPr>
+          <p:nvPr>
+            <p:ph idx="1"/>
+          </p:nvPr>
+        </p:nvSpPr>
+        <p:spPr/>
+        <p:txBody>
+          <a:bodyPr/>
+          <a:lstStyle/>
+          <a:p>
+            <a:r>
+              <a:rPr lang="ko-KR" altLang="en-US" dirty="0" smtClean="0"/>
+              <a:t>숙제</a:t>
+            </a:r>
+            <a:endParaRPr lang="en-US" altLang="ko-KR" dirty="0"/>
+          </a:p>
+          <a:p>
+            <a:pPr lvl="1"/>
+            <a:r>
+              <a:rPr lang="en-US" altLang="ko-KR" dirty="0" smtClean="0"/>
+              <a:t> </a:t>
+            </a:r>
+            <a:r>
+              <a:rPr lang="ko-KR" altLang="en-US" dirty="0" smtClean="0"/>
+              <a:t>각자 </a:t>
+            </a:r>
+            <a:r>
+              <a:rPr lang="ko-KR" altLang="en-US" dirty="0" err="1" smtClean="0"/>
+              <a:t>앱</a:t>
+            </a:r>
+            <a:r>
+              <a:rPr lang="ko-KR" altLang="en-US" dirty="0" smtClean="0"/>
+              <a:t> </a:t>
+            </a:r>
+            <a:r>
+              <a:rPr lang="ko-KR" altLang="en-US" dirty="0" err="1" smtClean="0"/>
+              <a:t>개발후</a:t>
+            </a:r>
+            <a:r>
+              <a:rPr lang="ko-KR" altLang="en-US" dirty="0" smtClean="0"/>
+              <a:t> </a:t>
+            </a:r>
+            <a:r>
+              <a:rPr lang="en-US" altLang="ko-KR" dirty="0" smtClean="0"/>
+              <a:t>1</a:t>
+            </a:r>
+            <a:r>
+              <a:rPr lang="ko-KR" altLang="en-US" dirty="0" err="1" smtClean="0"/>
+              <a:t>년내</a:t>
+            </a:r>
+            <a:r>
+              <a:rPr lang="ko-KR" altLang="en-US" dirty="0" smtClean="0"/>
+              <a:t> </a:t>
+            </a:r>
+            <a:r>
+              <a:rPr lang="ko-KR" altLang="en-US" dirty="0" err="1" smtClean="0"/>
+              <a:t>런칭</a:t>
+            </a:r>
+            <a:r>
+              <a:rPr lang="en-US" altLang="ko-KR" dirty="0" smtClean="0"/>
+              <a:t>.</a:t>
+            </a:r>
+          </a:p>
+          <a:p>
+            <a:pPr marL="457200" lvl="1" indent="0">
+              <a:buNone/>
+            </a:pPr>
+            <a:endParaRPr lang="en-US" altLang="ko-KR" dirty="0"/>
+          </a:p>
+        </p:txBody>
+      </p:sp>
+    </p:spTree>
+    <p:extLst>
+      <p:ext uri="{BB962C8B-B14F-4D97-AF65-F5344CB8AC3E}">
+        <p14:creationId xmlns:p14="http://schemas.microsoft.com/office/powerpoint/2010/main" val="1590062541"/>
       </p:ext>
     </p:extLst>
   </p:cSld>

--- a/02.안드로이드 모바일 앱 개발-프론트엔드-안국환.pptx
+++ b/02.안드로이드 모바일 앱 개발-프론트엔드-안국환.pptx
@@ -6159,11 +6159,7 @@
             </a:r>
             <a:r>
               <a:rPr lang="ko-KR" altLang="en-US" dirty="0" smtClean="0"/>
-              <a:t> </a:t>
-            </a:r>
-            <a:r>
-              <a:rPr lang="ko-KR" altLang="en-US" dirty="0" smtClean="0"/>
-              <a:t>소개</a:t>
+              <a:t> 소개</a:t>
             </a:r>
             <a:endParaRPr lang="en-US" altLang="ko-KR" dirty="0" smtClean="0"/>
           </a:p>
@@ -9586,6 +9582,132 @@
           </a:extLst>
         </p:spPr>
       </p:pic>
+      <p:sp>
+        <p:nvSpPr>
+          <p:cNvPr id="5" name="TextBox 4"/>
+          <p:cNvSpPr txBox="1"/>
+          <p:nvPr/>
+        </p:nvSpPr>
+        <p:spPr>
+          <a:xfrm>
+            <a:off x="3419872" y="2996952"/>
+            <a:ext cx="2448272" cy="369332"/>
+          </a:xfrm>
+          <a:prstGeom prst="rect">
+            <a:avLst/>
+          </a:prstGeom>
+          <a:solidFill>
+            <a:schemeClr val="accent3">
+              <a:lumMod val="40000"/>
+              <a:lumOff val="60000"/>
+            </a:schemeClr>
+          </a:solidFill>
+          <a:effectLst>
+            <a:outerShdw blurRad="50800" dist="38100" dir="2700000" algn="tl" rotWithShape="0">
+              <a:prstClr val="black">
+                <a:alpha val="40000"/>
+              </a:prstClr>
+            </a:outerShdw>
+          </a:effectLst>
+        </p:spPr>
+        <p:txBody>
+          <a:bodyPr wrap="square" rtlCol="0">
+            <a:spAutoFit/>
+          </a:bodyPr>
+          <a:lstStyle/>
+          <a:p>
+            <a:r>
+              <a:rPr lang="en-US" altLang="ko-KR" dirty="0" err="1" smtClean="0"/>
+              <a:t>GridLayoutManager</a:t>
+            </a:r>
+            <a:endParaRPr lang="ko-KR" altLang="en-US" dirty="0"/>
+          </a:p>
+        </p:txBody>
+      </p:sp>
+      <p:sp>
+        <p:nvSpPr>
+          <p:cNvPr id="10" name="TextBox 9"/>
+          <p:cNvSpPr txBox="1"/>
+          <p:nvPr/>
+        </p:nvSpPr>
+        <p:spPr>
+          <a:xfrm>
+            <a:off x="467543" y="2996952"/>
+            <a:ext cx="2448273" cy="369332"/>
+          </a:xfrm>
+          <a:prstGeom prst="rect">
+            <a:avLst/>
+          </a:prstGeom>
+          <a:solidFill>
+            <a:schemeClr val="accent3">
+              <a:lumMod val="40000"/>
+              <a:lumOff val="60000"/>
+            </a:schemeClr>
+          </a:solidFill>
+          <a:effectLst>
+            <a:outerShdw blurRad="50800" dist="38100" dir="2700000" algn="tl" rotWithShape="0">
+              <a:prstClr val="black">
+                <a:alpha val="40000"/>
+              </a:prstClr>
+            </a:outerShdw>
+          </a:effectLst>
+        </p:spPr>
+        <p:txBody>
+          <a:bodyPr wrap="square" rtlCol="0">
+            <a:spAutoFit/>
+          </a:bodyPr>
+          <a:lstStyle/>
+          <a:p>
+            <a:r>
+              <a:rPr lang="en-US" altLang="ko-KR" dirty="0" err="1" smtClean="0"/>
+              <a:t>LinearLayoutManager</a:t>
+            </a:r>
+            <a:endParaRPr lang="ko-KR" altLang="en-US" dirty="0"/>
+          </a:p>
+        </p:txBody>
+      </p:sp>
+      <p:sp>
+        <p:nvSpPr>
+          <p:cNvPr id="11" name="TextBox 10"/>
+          <p:cNvSpPr txBox="1"/>
+          <p:nvPr/>
+        </p:nvSpPr>
+        <p:spPr>
+          <a:xfrm>
+            <a:off x="6284669" y="3043118"/>
+            <a:ext cx="2273945" cy="276999"/>
+          </a:xfrm>
+          <a:prstGeom prst="rect">
+            <a:avLst/>
+          </a:prstGeom>
+          <a:solidFill>
+            <a:schemeClr val="accent3">
+              <a:lumMod val="40000"/>
+              <a:lumOff val="60000"/>
+            </a:schemeClr>
+          </a:solidFill>
+          <a:effectLst>
+            <a:outerShdw blurRad="50800" dist="38100" dir="2700000" algn="tl" rotWithShape="0">
+              <a:prstClr val="black">
+                <a:alpha val="40000"/>
+              </a:prstClr>
+            </a:outerShdw>
+          </a:effectLst>
+        </p:spPr>
+        <p:txBody>
+          <a:bodyPr wrap="square" rtlCol="0">
+            <a:spAutoFit/>
+          </a:bodyPr>
+          <a:lstStyle/>
+          <a:p>
+            <a:r>
+              <a:rPr lang="en-US" altLang="ko-KR" sz="1200" dirty="0" err="1" smtClean="0"/>
+              <a:t>StaggerdGridLayoutManager</a:t>
+            </a:r>
+            <a:endParaRPr lang="ko-KR" altLang="en-US" sz="1200" dirty="0"/>
+          </a:p>
+        </p:txBody>
+      </p:sp>
     </p:spTree>
     <p:extLst>
       <p:ext uri="{BB962C8B-B14F-4D97-AF65-F5344CB8AC3E}">
@@ -11762,14 +11884,6 @@
             </a:r>
             <a:r>
               <a:rPr lang="en-US" altLang="ko-KR" dirty="0" smtClean="0"/>
-              <a:t> </a:t>
-            </a:r>
-            <a:r>
-              <a:rPr lang="ko-KR" altLang="en-US" dirty="0" smtClean="0"/>
-              <a:t>소개</a:t>
-            </a:r>
-            <a:r>
-              <a:rPr lang="en-US" altLang="ko-KR" dirty="0" smtClean="0"/>
               <a:t>.</a:t>
             </a:r>
             <a:endParaRPr lang="ko-KR" altLang="en-US" dirty="0"/>
@@ -18156,10 +18270,6 @@
           <a:lstStyle/>
           <a:p>
             <a:r>
-              <a:rPr lang="en-US" altLang="ko-KR" dirty="0" smtClean="0"/>
-              <a:t>1. </a:t>
-            </a:r>
-            <a:r>
               <a:rPr lang="en-US" altLang="ko-KR" dirty="0" err="1" smtClean="0"/>
               <a:t>AndroidStudio</a:t>
             </a:r>
@@ -18168,11 +18278,11 @@
               <a:t> </a:t>
             </a:r>
             <a:r>
-              <a:rPr lang="ko-KR" altLang="en-US" dirty="0" smtClean="0"/>
-              <a:t>소개</a:t>
-            </a:r>
-            <a:r>
-              <a:rPr lang="en-US" altLang="ko-KR" dirty="0" smtClean="0"/>
+              <a:rPr lang="ko-KR" altLang="en-US" smtClean="0"/>
+              <a:t>사용법</a:t>
+            </a:r>
+            <a:r>
+              <a:rPr lang="en-US" altLang="ko-KR" smtClean="0"/>
               <a:t>.</a:t>
             </a:r>
             <a:endParaRPr lang="ko-KR" altLang="en-US" dirty="0"/>
